--- a/License plate recognition/yolo_code_review/yolo_code_review.pptx
+++ b/License plate recognition/yolo_code_review/yolo_code_review.pptx
@@ -6,6 +6,19 @@
   </p:sldMasterIdLst>
   <p:sldIdLst>
     <p:sldId id="256" r:id="rId2"/>
+    <p:sldId id="257" r:id="rId3"/>
+    <p:sldId id="260" r:id="rId4"/>
+    <p:sldId id="261" r:id="rId5"/>
+    <p:sldId id="262" r:id="rId6"/>
+    <p:sldId id="263" r:id="rId7"/>
+    <p:sldId id="264" r:id="rId8"/>
+    <p:sldId id="259" r:id="rId9"/>
+    <p:sldId id="265" r:id="rId10"/>
+    <p:sldId id="266" r:id="rId11"/>
+    <p:sldId id="267" r:id="rId12"/>
+    <p:sldId id="268" r:id="rId13"/>
+    <p:sldId id="269" r:id="rId14"/>
+    <p:sldId id="270" r:id="rId15"/>
   </p:sldIdLst>
   <p:sldSz cx="12192000" cy="6858000"/>
   <p:notesSz cx="6858000" cy="9144000"/>
@@ -104,6 +117,11 @@
       </a:defRPr>
     </a:lvl9pPr>
   </p:defaultTextStyle>
+  <p:extLst>
+    <p:ext uri="{EFAFB233-063F-42B5-8137-9DF3F51BA10A}">
+      <p15:sldGuideLst xmlns:p15="http://schemas.microsoft.com/office/powerpoint/2012/main"/>
+    </p:ext>
+  </p:extLst>
 </p:presentation>
 </file>
 
@@ -238,7 +256,7 @@
           <a:p>
             <a:fld id="{A71FCC7D-0A9C-486E-ABD8-AA9B0EAEE5E4}" type="datetimeFigureOut">
               <a:rPr lang="ko-KR" altLang="en-US" smtClean="0"/>
-              <a:t>2019-08-07</a:t>
+              <a:t>2019-08-14</a:t>
             </a:fld>
             <a:endParaRPr lang="ko-KR" altLang="en-US"/>
           </a:p>
@@ -408,7 +426,7 @@
           <a:p>
             <a:fld id="{A71FCC7D-0A9C-486E-ABD8-AA9B0EAEE5E4}" type="datetimeFigureOut">
               <a:rPr lang="ko-KR" altLang="en-US" smtClean="0"/>
-              <a:t>2019-08-07</a:t>
+              <a:t>2019-08-14</a:t>
             </a:fld>
             <a:endParaRPr lang="ko-KR" altLang="en-US"/>
           </a:p>
@@ -588,7 +606,7 @@
           <a:p>
             <a:fld id="{A71FCC7D-0A9C-486E-ABD8-AA9B0EAEE5E4}" type="datetimeFigureOut">
               <a:rPr lang="ko-KR" altLang="en-US" smtClean="0"/>
-              <a:t>2019-08-07</a:t>
+              <a:t>2019-08-14</a:t>
             </a:fld>
             <a:endParaRPr lang="ko-KR" altLang="en-US"/>
           </a:p>
@@ -758,7 +776,7 @@
           <a:p>
             <a:fld id="{A71FCC7D-0A9C-486E-ABD8-AA9B0EAEE5E4}" type="datetimeFigureOut">
               <a:rPr lang="ko-KR" altLang="en-US" smtClean="0"/>
-              <a:t>2019-08-07</a:t>
+              <a:t>2019-08-14</a:t>
             </a:fld>
             <a:endParaRPr lang="ko-KR" altLang="en-US"/>
           </a:p>
@@ -1004,7 +1022,7 @@
           <a:p>
             <a:fld id="{A71FCC7D-0A9C-486E-ABD8-AA9B0EAEE5E4}" type="datetimeFigureOut">
               <a:rPr lang="ko-KR" altLang="en-US" smtClean="0"/>
-              <a:t>2019-08-07</a:t>
+              <a:t>2019-08-14</a:t>
             </a:fld>
             <a:endParaRPr lang="ko-KR" altLang="en-US"/>
           </a:p>
@@ -1236,7 +1254,7 @@
           <a:p>
             <a:fld id="{A71FCC7D-0A9C-486E-ABD8-AA9B0EAEE5E4}" type="datetimeFigureOut">
               <a:rPr lang="ko-KR" altLang="en-US" smtClean="0"/>
-              <a:t>2019-08-07</a:t>
+              <a:t>2019-08-14</a:t>
             </a:fld>
             <a:endParaRPr lang="ko-KR" altLang="en-US"/>
           </a:p>
@@ -1603,7 +1621,7 @@
           <a:p>
             <a:fld id="{A71FCC7D-0A9C-486E-ABD8-AA9B0EAEE5E4}" type="datetimeFigureOut">
               <a:rPr lang="ko-KR" altLang="en-US" smtClean="0"/>
-              <a:t>2019-08-07</a:t>
+              <a:t>2019-08-14</a:t>
             </a:fld>
             <a:endParaRPr lang="ko-KR" altLang="en-US"/>
           </a:p>
@@ -1721,7 +1739,7 @@
           <a:p>
             <a:fld id="{A71FCC7D-0A9C-486E-ABD8-AA9B0EAEE5E4}" type="datetimeFigureOut">
               <a:rPr lang="ko-KR" altLang="en-US" smtClean="0"/>
-              <a:t>2019-08-07</a:t>
+              <a:t>2019-08-14</a:t>
             </a:fld>
             <a:endParaRPr lang="ko-KR" altLang="en-US"/>
           </a:p>
@@ -1816,7 +1834,7 @@
           <a:p>
             <a:fld id="{A71FCC7D-0A9C-486E-ABD8-AA9B0EAEE5E4}" type="datetimeFigureOut">
               <a:rPr lang="ko-KR" altLang="en-US" smtClean="0"/>
-              <a:t>2019-08-07</a:t>
+              <a:t>2019-08-14</a:t>
             </a:fld>
             <a:endParaRPr lang="ko-KR" altLang="en-US"/>
           </a:p>
@@ -2093,7 +2111,7 @@
           <a:p>
             <a:fld id="{A71FCC7D-0A9C-486E-ABD8-AA9B0EAEE5E4}" type="datetimeFigureOut">
               <a:rPr lang="ko-KR" altLang="en-US" smtClean="0"/>
-              <a:t>2019-08-07</a:t>
+              <a:t>2019-08-14</a:t>
             </a:fld>
             <a:endParaRPr lang="ko-KR" altLang="en-US"/>
           </a:p>
@@ -2346,7 +2364,7 @@
           <a:p>
             <a:fld id="{A71FCC7D-0A9C-486E-ABD8-AA9B0EAEE5E4}" type="datetimeFigureOut">
               <a:rPr lang="ko-KR" altLang="en-US" smtClean="0"/>
-              <a:t>2019-08-07</a:t>
+              <a:t>2019-08-14</a:t>
             </a:fld>
             <a:endParaRPr lang="ko-KR" altLang="en-US"/>
           </a:p>
@@ -2559,7 +2577,7 @@
           <a:p>
             <a:fld id="{A71FCC7D-0A9C-486E-ABD8-AA9B0EAEE5E4}" type="datetimeFigureOut">
               <a:rPr lang="ko-KR" altLang="en-US" smtClean="0"/>
-              <a:t>2019-08-07</a:t>
+              <a:t>2019-08-14</a:t>
             </a:fld>
             <a:endParaRPr lang="ko-KR" altLang="en-US"/>
           </a:p>
@@ -3133,7 +3151,7 @@
             <a:pPr marL="342900" indent="-342900">
               <a:buAutoNum type="arabicPeriod"/>
             </a:pPr>
-            <a:endParaRPr lang="ko-KR" altLang="en-US"/>
+            <a:endParaRPr lang="en-US" altLang="ko-KR"/>
           </a:p>
         </p:txBody>
       </p:sp>
@@ -3183,6 +3201,4709 @@
   <p:clrMapOvr>
     <a:masterClrMapping/>
   </p:clrMapOvr>
+  <p:timing>
+    <p:tnLst>
+      <p:par>
+        <p:cTn id="1" dur="indefinite" restart="never" nodeType="tmRoot"/>
+      </p:par>
+    </p:tnLst>
+  </p:timing>
+</p:sld>
+</file>
+
+<file path=ppt/slides/slide10.xml><?xml version="1.0" encoding="utf-8"?>
+<p:sld xmlns:a="http://schemas.openxmlformats.org/drawingml/2006/main" xmlns:r="http://schemas.openxmlformats.org/officeDocument/2006/relationships" xmlns:p="http://schemas.openxmlformats.org/presentationml/2006/main">
+  <p:cSld>
+    <p:spTree>
+      <p:nvGrpSpPr>
+        <p:cNvPr id="1" name=""/>
+        <p:cNvGrpSpPr/>
+        <p:nvPr/>
+      </p:nvGrpSpPr>
+      <p:grpSpPr>
+        <a:xfrm>
+          <a:off x="0" y="0"/>
+          <a:ext cx="0" cy="0"/>
+          <a:chOff x="0" y="0"/>
+          <a:chExt cx="0" cy="0"/>
+        </a:xfrm>
+      </p:grpSpPr>
+      <p:sp>
+        <p:nvSpPr>
+          <p:cNvPr id="6" name="TextBox 5"/>
+          <p:cNvSpPr txBox="1"/>
+          <p:nvPr/>
+        </p:nvSpPr>
+        <p:spPr>
+          <a:xfrm>
+            <a:off x="3262747" y="1044337"/>
+            <a:ext cx="5727468" cy="307777"/>
+          </a:xfrm>
+          <a:prstGeom prst="rect">
+            <a:avLst/>
+          </a:prstGeom>
+          <a:noFill/>
+        </p:spPr>
+        <p:txBody>
+          <a:bodyPr wrap="square" rtlCol="0">
+            <a:spAutoFit/>
+          </a:bodyPr>
+          <a:lstStyle/>
+          <a:p>
+            <a:r>
+              <a:rPr lang="en-US" altLang="ko-KR" sz="1400">
+                <a:solidFill>
+                  <a:srgbClr val="FF0000"/>
+                </a:solidFill>
+              </a:rPr>
+              <a:t>char **names = get_labels_custom(name_list, &amp;names_size</a:t>
+            </a:r>
+            <a:r>
+              <a:rPr lang="en-US" altLang="ko-KR" sz="1400" smtClean="0">
+                <a:solidFill>
+                  <a:srgbClr val="FF0000"/>
+                </a:solidFill>
+              </a:rPr>
+              <a:t>); </a:t>
+            </a:r>
+            <a:r>
+              <a:rPr lang="ko-KR" altLang="en-US" sz="1400" smtClean="0">
+                <a:solidFill>
+                  <a:srgbClr val="FF0000"/>
+                </a:solidFill>
+              </a:rPr>
+              <a:t>요약</a:t>
+            </a:r>
+            <a:endParaRPr lang="en-US" altLang="ko-KR" sz="1400" smtClean="0">
+              <a:solidFill>
+                <a:srgbClr val="FF0000"/>
+              </a:solidFill>
+            </a:endParaRPr>
+          </a:p>
+        </p:txBody>
+      </p:sp>
+      <p:sp>
+        <p:nvSpPr>
+          <p:cNvPr id="7" name="TextBox 6"/>
+          <p:cNvSpPr txBox="1"/>
+          <p:nvPr/>
+        </p:nvSpPr>
+        <p:spPr>
+          <a:xfrm>
+            <a:off x="3441470" y="224444"/>
+            <a:ext cx="5370022" cy="461665"/>
+          </a:xfrm>
+          <a:prstGeom prst="rect">
+            <a:avLst/>
+          </a:prstGeom>
+          <a:noFill/>
+        </p:spPr>
+        <p:txBody>
+          <a:bodyPr wrap="square" rtlCol="0">
+            <a:spAutoFit/>
+          </a:bodyPr>
+          <a:lstStyle/>
+          <a:p>
+            <a:r>
+              <a:rPr lang="en-US" altLang="ko-KR" sz="2400" smtClean="0">
+                <a:latin typeface="HY헤드라인M" panose="02030600000101010101" pitchFamily="18" charset="-127"/>
+                <a:ea typeface="HY헤드라인M" panose="02030600000101010101" pitchFamily="18" charset="-127"/>
+              </a:rPr>
+              <a:t>Yolo – detector.c ( test_detector )</a:t>
+            </a:r>
+            <a:endParaRPr lang="ko-KR" altLang="en-US" sz="2400">
+              <a:latin typeface="HY헤드라인M" panose="02030600000101010101" pitchFamily="18" charset="-127"/>
+              <a:ea typeface="HY헤드라인M" panose="02030600000101010101" pitchFamily="18" charset="-127"/>
+            </a:endParaRPr>
+          </a:p>
+        </p:txBody>
+      </p:sp>
+      <p:pic>
+        <p:nvPicPr>
+          <p:cNvPr id="2" name="그림 1"/>
+          <p:cNvPicPr>
+            <a:picLocks noChangeAspect="1"/>
+          </p:cNvPicPr>
+          <p:nvPr/>
+        </p:nvPicPr>
+        <p:blipFill>
+          <a:blip r:embed="rId2">
+            <a:extLst>
+              <a:ext uri="{28A0092B-C50C-407E-A947-70E740481C1C}">
+                <a14:useLocalDpi xmlns:a14="http://schemas.microsoft.com/office/drawing/2010/main" val="0"/>
+              </a:ext>
+            </a:extLst>
+          </a:blip>
+          <a:stretch>
+            <a:fillRect/>
+          </a:stretch>
+        </p:blipFill>
+        <p:spPr>
+          <a:xfrm>
+            <a:off x="1840231" y="1560713"/>
+            <a:ext cx="8572500" cy="4800600"/>
+          </a:xfrm>
+          <a:prstGeom prst="rect">
+            <a:avLst/>
+          </a:prstGeom>
+        </p:spPr>
+      </p:pic>
+      <p:sp>
+        <p:nvSpPr>
+          <p:cNvPr id="8" name="TextBox 7"/>
+          <p:cNvSpPr txBox="1"/>
+          <p:nvPr/>
+        </p:nvSpPr>
+        <p:spPr>
+          <a:xfrm>
+            <a:off x="3765667" y="6361313"/>
+            <a:ext cx="5436523" cy="307777"/>
+          </a:xfrm>
+          <a:prstGeom prst="rect">
+            <a:avLst/>
+          </a:prstGeom>
+          <a:noFill/>
+        </p:spPr>
+        <p:txBody>
+          <a:bodyPr wrap="square" rtlCol="0">
+            <a:spAutoFit/>
+          </a:bodyPr>
+          <a:lstStyle/>
+          <a:p>
+            <a:r>
+              <a:rPr lang="ko-KR" altLang="en-US" sz="1400" smtClean="0"/>
+              <a:t>출처 </a:t>
+            </a:r>
+            <a:r>
+              <a:rPr lang="en-US" altLang="ko-KR" sz="1400" smtClean="0"/>
+              <a:t>: </a:t>
+            </a:r>
+            <a:r>
+              <a:rPr lang="en-US" altLang="ko-KR" sz="1400">
+                <a:hlinkClick r:id="rId3"/>
+              </a:rPr>
+              <a:t>https://dhhwang89.tistory.com/113?category=733930</a:t>
+            </a:r>
+            <a:endParaRPr lang="en-US" altLang="ko-KR" sz="1400"/>
+          </a:p>
+        </p:txBody>
+      </p:sp>
+      <p:sp>
+        <p:nvSpPr>
+          <p:cNvPr id="9" name="직사각형 8"/>
+          <p:cNvSpPr/>
+          <p:nvPr/>
+        </p:nvSpPr>
+        <p:spPr>
+          <a:xfrm>
+            <a:off x="1669560" y="5309053"/>
+            <a:ext cx="6967364" cy="1052259"/>
+          </a:xfrm>
+          <a:prstGeom prst="rect">
+            <a:avLst/>
+          </a:prstGeom>
+          <a:noFill/>
+          <a:ln w="12700" cap="flat" cmpd="sng" algn="ctr">
+            <a:solidFill>
+              <a:srgbClr val="FF0000"/>
+            </a:solidFill>
+            <a:prstDash val="solid"/>
+            <a:round/>
+            <a:headEnd type="none" w="med" len="med"/>
+            <a:tailEnd type="none" w="med" len="med"/>
+          </a:ln>
+        </p:spPr>
+        <p:style>
+          <a:lnRef idx="0">
+            <a:scrgbClr r="0" g="0" b="0"/>
+          </a:lnRef>
+          <a:fillRef idx="0">
+            <a:scrgbClr r="0" g="0" b="0"/>
+          </a:fillRef>
+          <a:effectRef idx="0">
+            <a:scrgbClr r="0" g="0" b="0"/>
+          </a:effectRef>
+          <a:fontRef idx="minor">
+            <a:schemeClr val="accent2"/>
+          </a:fontRef>
+        </p:style>
+        <p:txBody>
+          <a:bodyPr rtlCol="0" anchor="ctr"/>
+          <a:lstStyle/>
+          <a:p>
+            <a:pPr algn="ctr"/>
+            <a:endParaRPr lang="ko-KR" altLang="en-US"/>
+          </a:p>
+        </p:txBody>
+      </p:sp>
+    </p:spTree>
+    <p:extLst>
+      <p:ext uri="{BB962C8B-B14F-4D97-AF65-F5344CB8AC3E}">
+        <p14:creationId xmlns:p14="http://schemas.microsoft.com/office/powerpoint/2010/main" val="2020190975"/>
+      </p:ext>
+    </p:extLst>
+  </p:cSld>
+  <p:clrMapOvr>
+    <a:masterClrMapping/>
+  </p:clrMapOvr>
+  <p:timing>
+    <p:tnLst>
+      <p:par>
+        <p:cTn id="1" dur="indefinite" restart="never" nodeType="tmRoot"/>
+      </p:par>
+    </p:tnLst>
+  </p:timing>
+</p:sld>
+</file>
+
+<file path=ppt/slides/slide11.xml><?xml version="1.0" encoding="utf-8"?>
+<p:sld xmlns:a="http://schemas.openxmlformats.org/drawingml/2006/main" xmlns:r="http://schemas.openxmlformats.org/officeDocument/2006/relationships" xmlns:p="http://schemas.openxmlformats.org/presentationml/2006/main">
+  <p:cSld>
+    <p:spTree>
+      <p:nvGrpSpPr>
+        <p:cNvPr id="1" name=""/>
+        <p:cNvGrpSpPr/>
+        <p:nvPr/>
+      </p:nvGrpSpPr>
+      <p:grpSpPr>
+        <a:xfrm>
+          <a:off x="0" y="0"/>
+          <a:ext cx="0" cy="0"/>
+          <a:chOff x="0" y="0"/>
+          <a:chExt cx="0" cy="0"/>
+        </a:xfrm>
+      </p:grpSpPr>
+      <p:sp>
+        <p:nvSpPr>
+          <p:cNvPr id="6" name="TextBox 5"/>
+          <p:cNvSpPr txBox="1"/>
+          <p:nvPr/>
+        </p:nvSpPr>
+        <p:spPr>
+          <a:xfrm>
+            <a:off x="6342611" y="864523"/>
+            <a:ext cx="5436523" cy="4185761"/>
+          </a:xfrm>
+          <a:prstGeom prst="rect">
+            <a:avLst/>
+          </a:prstGeom>
+          <a:noFill/>
+        </p:spPr>
+        <p:txBody>
+          <a:bodyPr wrap="square" rtlCol="0">
+            <a:spAutoFit/>
+          </a:bodyPr>
+          <a:lstStyle/>
+          <a:p>
+            <a:r>
+              <a:rPr lang="en-US" altLang="ko-KR" sz="1400" smtClean="0">
+                <a:solidFill>
+                  <a:srgbClr val="FF0000"/>
+                </a:solidFill>
+              </a:rPr>
+              <a:t>image **alphabet = load_alphabet();</a:t>
+            </a:r>
+          </a:p>
+          <a:p>
+            <a:endParaRPr lang="en-US" altLang="ko-KR" sz="1400">
+              <a:solidFill>
+                <a:srgbClr val="FF0000"/>
+              </a:solidFill>
+            </a:endParaRPr>
+          </a:p>
+          <a:p>
+            <a:r>
+              <a:rPr lang="en-US" altLang="ko-KR" sz="1400" smtClean="0"/>
+              <a:t>int i, j</a:t>
+            </a:r>
+            <a:r>
+              <a:rPr lang="ko-KR" altLang="en-US" sz="1400" smtClean="0"/>
+              <a:t>를 생성</a:t>
+            </a:r>
+            <a:endParaRPr lang="en-US" altLang="ko-KR" sz="1400" smtClean="0"/>
+          </a:p>
+          <a:p>
+            <a:endParaRPr lang="en-US" altLang="ko-KR" sz="1400"/>
+          </a:p>
+          <a:p>
+            <a:r>
+              <a:rPr lang="en-US" altLang="ko-KR" sz="1400" smtClean="0"/>
+              <a:t>int</a:t>
+            </a:r>
+            <a:r>
+              <a:rPr lang="ko-KR" altLang="en-US" sz="1400" smtClean="0"/>
+              <a:t>형 상수 </a:t>
+            </a:r>
+            <a:r>
+              <a:rPr lang="en-US" altLang="ko-KR" sz="1400" smtClean="0"/>
+              <a:t>nsize</a:t>
+            </a:r>
+            <a:r>
+              <a:rPr lang="ko-KR" altLang="en-US" sz="1400" smtClean="0"/>
+              <a:t>를 </a:t>
+            </a:r>
+            <a:r>
+              <a:rPr lang="en-US" altLang="ko-KR" sz="1400" smtClean="0"/>
+              <a:t>8</a:t>
+            </a:r>
+            <a:r>
+              <a:rPr lang="ko-KR" altLang="en-US" sz="1400" smtClean="0"/>
+              <a:t>로 생성</a:t>
+            </a:r>
+            <a:endParaRPr lang="en-US" altLang="ko-KR" sz="1400"/>
+          </a:p>
+          <a:p>
+            <a:endParaRPr lang="en-US" altLang="ko-KR" sz="1400" smtClean="0"/>
+          </a:p>
+          <a:p>
+            <a:r>
+              <a:rPr lang="en-US" altLang="ko-KR" sz="1400" smtClean="0"/>
+              <a:t>image </a:t>
+            </a:r>
+            <a:r>
+              <a:rPr lang="ko-KR" altLang="en-US" sz="1400" smtClean="0"/>
+              <a:t>구조체 이중 포인터 </a:t>
+            </a:r>
+            <a:r>
+              <a:rPr lang="en-US" altLang="ko-KR" sz="1400" smtClean="0"/>
+              <a:t>alphabets</a:t>
+            </a:r>
+            <a:r>
+              <a:rPr lang="ko-KR" altLang="en-US" sz="1400" smtClean="0"/>
+              <a:t>를 선언하고 구조체 </a:t>
+            </a:r>
+            <a:r>
+              <a:rPr lang="en-US" altLang="ko-KR" sz="1400" smtClean="0"/>
+              <a:t>image</a:t>
+            </a:r>
+            <a:r>
+              <a:rPr lang="ko-KR" altLang="en-US" sz="1400"/>
+              <a:t> </a:t>
+            </a:r>
+            <a:r>
+              <a:rPr lang="en-US" altLang="ko-KR" sz="1400" smtClean="0"/>
+              <a:t>8</a:t>
+            </a:r>
+            <a:r>
+              <a:rPr lang="ko-KR" altLang="en-US" sz="1400" smtClean="0"/>
+              <a:t>개의 크기로 메모리 동적할당</a:t>
+            </a:r>
+            <a:endParaRPr lang="en-US" altLang="ko-KR" sz="1400" smtClean="0"/>
+          </a:p>
+          <a:p>
+            <a:endParaRPr lang="en-US" altLang="ko-KR" sz="1400"/>
+          </a:p>
+          <a:p>
+            <a:r>
+              <a:rPr lang="en-US" altLang="ko-KR" sz="1400" smtClean="0"/>
+              <a:t>0</a:t>
+            </a:r>
+            <a:r>
+              <a:rPr lang="ko-KR" altLang="en-US" sz="1400" smtClean="0"/>
+              <a:t>부터 </a:t>
+            </a:r>
+            <a:r>
+              <a:rPr lang="en-US" altLang="ko-KR" sz="1400" smtClean="0"/>
+              <a:t>nsize(9)</a:t>
+            </a:r>
+            <a:r>
+              <a:rPr lang="ko-KR" altLang="en-US" sz="1400" smtClean="0"/>
+              <a:t>만큼 순회하면서 각 </a:t>
+            </a:r>
+            <a:r>
+              <a:rPr lang="en-US" altLang="ko-KR" sz="1400" smtClean="0"/>
+              <a:t>alphabets </a:t>
+            </a:r>
+            <a:r>
+              <a:rPr lang="ko-KR" altLang="en-US" sz="1400" smtClean="0"/>
+              <a:t>요소에 </a:t>
+            </a:r>
+            <a:r>
+              <a:rPr lang="en-US" altLang="ko-KR" sz="1400" smtClean="0"/>
+              <a:t>128</a:t>
+            </a:r>
+            <a:r>
+              <a:rPr lang="ko-KR" altLang="en-US" sz="1400" smtClean="0"/>
+              <a:t>개의 </a:t>
+            </a:r>
+            <a:r>
+              <a:rPr lang="en-US" altLang="ko-KR" sz="1400" smtClean="0"/>
+              <a:t>image </a:t>
+            </a:r>
+            <a:r>
+              <a:rPr lang="ko-KR" altLang="en-US" sz="1400" smtClean="0"/>
+              <a:t>구조체크기 만큼 메모리 동적 할당</a:t>
+            </a:r>
+            <a:endParaRPr lang="en-US" altLang="ko-KR" sz="1400" smtClean="0"/>
+          </a:p>
+          <a:p>
+            <a:endParaRPr lang="en-US" altLang="ko-KR" sz="1400"/>
+          </a:p>
+          <a:p>
+            <a:r>
+              <a:rPr lang="en-US" altLang="ko-KR" sz="1400" smtClean="0"/>
+              <a:t>32</a:t>
+            </a:r>
+            <a:r>
+              <a:rPr lang="ko-KR" altLang="en-US" sz="1400" smtClean="0"/>
+              <a:t>부터 </a:t>
+            </a:r>
+            <a:r>
+              <a:rPr lang="en-US" altLang="ko-KR" sz="1400" smtClean="0"/>
+              <a:t>127</a:t>
+            </a:r>
+            <a:r>
+              <a:rPr lang="ko-KR" altLang="en-US" sz="1400" smtClean="0"/>
+              <a:t>까지 순회</a:t>
+            </a:r>
+            <a:endParaRPr lang="en-US" altLang="ko-KR" sz="1400" smtClean="0"/>
+          </a:p>
+          <a:p>
+            <a:r>
+              <a:rPr lang="en-US" altLang="ko-KR" sz="1400"/>
+              <a:t> </a:t>
+            </a:r>
+            <a:r>
+              <a:rPr lang="en-US" altLang="ko-KR" sz="1400" smtClean="0"/>
+              <a:t> - char </a:t>
+            </a:r>
+            <a:r>
+              <a:rPr lang="ko-KR" altLang="en-US" sz="1400" smtClean="0"/>
+              <a:t>배열 </a:t>
+            </a:r>
+            <a:r>
+              <a:rPr lang="en-US" altLang="ko-KR" sz="1400" smtClean="0"/>
+              <a:t>buff</a:t>
+            </a:r>
+            <a:r>
+              <a:rPr lang="ko-KR" altLang="en-US" sz="1400" smtClean="0"/>
+              <a:t>를 </a:t>
+            </a:r>
+            <a:r>
+              <a:rPr lang="en-US" altLang="ko-KR" sz="1400" smtClean="0"/>
+              <a:t>256 </a:t>
+            </a:r>
+            <a:r>
+              <a:rPr lang="ko-KR" altLang="en-US" sz="1400" smtClean="0"/>
+              <a:t>크기의 사이즈로 선언</a:t>
+            </a:r>
+            <a:endParaRPr lang="en-US" altLang="ko-KR" sz="1400" smtClean="0"/>
+          </a:p>
+          <a:p>
+            <a:r>
+              <a:rPr lang="en-US" altLang="ko-KR" sz="1400"/>
+              <a:t> </a:t>
+            </a:r>
+            <a:r>
+              <a:rPr lang="en-US" altLang="ko-KR" sz="1400" smtClean="0"/>
+              <a:t> - buff</a:t>
+            </a:r>
+            <a:r>
+              <a:rPr lang="ko-KR" altLang="en-US" sz="1400" smtClean="0"/>
+              <a:t>에 순회를 돌면서 각 </a:t>
+            </a:r>
+            <a:r>
+              <a:rPr lang="en-US" altLang="ko-KR" sz="1400" smtClean="0"/>
+              <a:t>png</a:t>
+            </a:r>
+            <a:r>
+              <a:rPr lang="ko-KR" altLang="en-US" sz="1400" smtClean="0"/>
+              <a:t>의 경로를 넣어준다</a:t>
+            </a:r>
+            <a:endParaRPr lang="en-US" altLang="ko-KR" sz="1400" smtClean="0"/>
+          </a:p>
+          <a:p>
+            <a:r>
+              <a:rPr lang="en-US" altLang="ko-KR" sz="1400"/>
+              <a:t> </a:t>
+            </a:r>
+            <a:r>
+              <a:rPr lang="en-US" altLang="ko-KR" sz="1400" smtClean="0"/>
+              <a:t> - alphabets</a:t>
+            </a:r>
+            <a:r>
+              <a:rPr lang="ko-KR" altLang="en-US" sz="1400" smtClean="0"/>
+              <a:t>의 </a:t>
+            </a:r>
+            <a:r>
+              <a:rPr lang="en-US" altLang="ko-KR" sz="1400" smtClean="0"/>
+              <a:t>2</a:t>
+            </a:r>
+            <a:r>
+              <a:rPr lang="ko-KR" altLang="en-US" sz="1400" smtClean="0"/>
+              <a:t>차원 배열에 위에서 넣어준 데이터 결로를 </a:t>
+            </a:r>
+            <a:r>
+              <a:rPr lang="en-US" altLang="ko-KR" sz="1400" smtClean="0"/>
+              <a:t>buff</a:t>
+            </a:r>
+            <a:r>
+              <a:rPr lang="ko-KR" altLang="en-US" sz="1400" smtClean="0"/>
+              <a:t>로 인자로 갖는 </a:t>
+            </a:r>
+            <a:r>
+              <a:rPr lang="en-US" altLang="ko-KR" sz="1400" smtClean="0"/>
+              <a:t>load_image_color</a:t>
+            </a:r>
+            <a:r>
+              <a:rPr lang="ko-KR" altLang="en-US" sz="1400" smtClean="0"/>
+              <a:t>를 호출해 반환값 입력</a:t>
+            </a:r>
+            <a:endParaRPr lang="en-US" altLang="ko-KR" sz="1400" smtClean="0"/>
+          </a:p>
+          <a:p>
+            <a:endParaRPr lang="en-US" altLang="ko-KR" sz="1400"/>
+          </a:p>
+          <a:p>
+            <a:r>
+              <a:rPr lang="ko-KR" altLang="en-US" sz="1400" smtClean="0"/>
+              <a:t>순회 이후에 </a:t>
+            </a:r>
+            <a:r>
+              <a:rPr lang="en-US" altLang="ko-KR" sz="1400" smtClean="0"/>
+              <a:t>alphabets</a:t>
+            </a:r>
+            <a:r>
+              <a:rPr lang="ko-KR" altLang="en-US" sz="1400" smtClean="0"/>
+              <a:t>를 반환하고 메소드 종료</a:t>
+            </a:r>
+            <a:endParaRPr lang="en-US" altLang="ko-KR" sz="1400" smtClean="0"/>
+          </a:p>
+        </p:txBody>
+      </p:sp>
+      <p:sp>
+        <p:nvSpPr>
+          <p:cNvPr id="7" name="TextBox 6"/>
+          <p:cNvSpPr txBox="1"/>
+          <p:nvPr/>
+        </p:nvSpPr>
+        <p:spPr>
+          <a:xfrm>
+            <a:off x="3441470" y="224444"/>
+            <a:ext cx="5370022" cy="461665"/>
+          </a:xfrm>
+          <a:prstGeom prst="rect">
+            <a:avLst/>
+          </a:prstGeom>
+          <a:noFill/>
+        </p:spPr>
+        <p:txBody>
+          <a:bodyPr wrap="square" rtlCol="0">
+            <a:spAutoFit/>
+          </a:bodyPr>
+          <a:lstStyle/>
+          <a:p>
+            <a:r>
+              <a:rPr lang="en-US" altLang="ko-KR" sz="2400" smtClean="0">
+                <a:latin typeface="HY헤드라인M" panose="02030600000101010101" pitchFamily="18" charset="-127"/>
+                <a:ea typeface="HY헤드라인M" panose="02030600000101010101" pitchFamily="18" charset="-127"/>
+              </a:rPr>
+              <a:t>Yolo – detector.c ( test_detector )</a:t>
+            </a:r>
+            <a:endParaRPr lang="ko-KR" altLang="en-US" sz="2400">
+              <a:latin typeface="HY헤드라인M" panose="02030600000101010101" pitchFamily="18" charset="-127"/>
+              <a:ea typeface="HY헤드라인M" panose="02030600000101010101" pitchFamily="18" charset="-127"/>
+            </a:endParaRPr>
+          </a:p>
+        </p:txBody>
+      </p:sp>
+      <p:pic>
+        <p:nvPicPr>
+          <p:cNvPr id="2" name="그림 1"/>
+          <p:cNvPicPr>
+            <a:picLocks noChangeAspect="1"/>
+          </p:cNvPicPr>
+          <p:nvPr/>
+        </p:nvPicPr>
+        <p:blipFill>
+          <a:blip r:embed="rId2">
+            <a:extLst>
+              <a:ext uri="{28A0092B-C50C-407E-A947-70E740481C1C}">
+                <a14:useLocalDpi xmlns:a14="http://schemas.microsoft.com/office/drawing/2010/main" val="0"/>
+              </a:ext>
+            </a:extLst>
+          </a:blip>
+          <a:stretch>
+            <a:fillRect/>
+          </a:stretch>
+        </p:blipFill>
+        <p:spPr>
+          <a:xfrm>
+            <a:off x="507508" y="1091392"/>
+            <a:ext cx="4543425" cy="2247900"/>
+          </a:xfrm>
+          <a:prstGeom prst="rect">
+            <a:avLst/>
+          </a:prstGeom>
+        </p:spPr>
+      </p:pic>
+    </p:spTree>
+    <p:extLst>
+      <p:ext uri="{BB962C8B-B14F-4D97-AF65-F5344CB8AC3E}">
+        <p14:creationId xmlns:p14="http://schemas.microsoft.com/office/powerpoint/2010/main" val="4091156037"/>
+      </p:ext>
+    </p:extLst>
+  </p:cSld>
+  <p:clrMapOvr>
+    <a:masterClrMapping/>
+  </p:clrMapOvr>
+  <p:timing>
+    <p:tnLst>
+      <p:par>
+        <p:cTn id="1" dur="indefinite" restart="never" nodeType="tmRoot"/>
+      </p:par>
+    </p:tnLst>
+  </p:timing>
+</p:sld>
+</file>
+
+<file path=ppt/slides/slide12.xml><?xml version="1.0" encoding="utf-8"?>
+<p:sld xmlns:a="http://schemas.openxmlformats.org/drawingml/2006/main" xmlns:r="http://schemas.openxmlformats.org/officeDocument/2006/relationships" xmlns:p="http://schemas.openxmlformats.org/presentationml/2006/main">
+  <p:cSld>
+    <p:spTree>
+      <p:nvGrpSpPr>
+        <p:cNvPr id="1" name=""/>
+        <p:cNvGrpSpPr/>
+        <p:nvPr/>
+      </p:nvGrpSpPr>
+      <p:grpSpPr>
+        <a:xfrm>
+          <a:off x="0" y="0"/>
+          <a:ext cx="0" cy="0"/>
+          <a:chOff x="0" y="0"/>
+          <a:chExt cx="0" cy="0"/>
+        </a:xfrm>
+      </p:grpSpPr>
+      <p:sp>
+        <p:nvSpPr>
+          <p:cNvPr id="6" name="TextBox 5"/>
+          <p:cNvSpPr txBox="1"/>
+          <p:nvPr/>
+        </p:nvSpPr>
+        <p:spPr>
+          <a:xfrm>
+            <a:off x="6342611" y="864523"/>
+            <a:ext cx="5436523" cy="4185761"/>
+          </a:xfrm>
+          <a:prstGeom prst="rect">
+            <a:avLst/>
+          </a:prstGeom>
+          <a:noFill/>
+        </p:spPr>
+        <p:txBody>
+          <a:bodyPr wrap="square" rtlCol="0">
+            <a:spAutoFit/>
+          </a:bodyPr>
+          <a:lstStyle/>
+          <a:p>
+            <a:r>
+              <a:rPr lang="en-US" altLang="ko-KR" sz="1400" smtClean="0">
+                <a:solidFill>
+                  <a:srgbClr val="FF0000"/>
+                </a:solidFill>
+              </a:rPr>
+              <a:t>image **alphabet = load_alphabet();</a:t>
+            </a:r>
+          </a:p>
+          <a:p>
+            <a:endParaRPr lang="en-US" altLang="ko-KR" sz="1400">
+              <a:solidFill>
+                <a:srgbClr val="FF0000"/>
+              </a:solidFill>
+            </a:endParaRPr>
+          </a:p>
+          <a:p>
+            <a:r>
+              <a:rPr lang="en-US" altLang="ko-KR" sz="1400" smtClean="0"/>
+              <a:t>int i, j</a:t>
+            </a:r>
+            <a:r>
+              <a:rPr lang="ko-KR" altLang="en-US" sz="1400" smtClean="0"/>
+              <a:t>를 생성</a:t>
+            </a:r>
+            <a:endParaRPr lang="en-US" altLang="ko-KR" sz="1400" smtClean="0"/>
+          </a:p>
+          <a:p>
+            <a:endParaRPr lang="en-US" altLang="ko-KR" sz="1400"/>
+          </a:p>
+          <a:p>
+            <a:r>
+              <a:rPr lang="en-US" altLang="ko-KR" sz="1400" smtClean="0"/>
+              <a:t>int</a:t>
+            </a:r>
+            <a:r>
+              <a:rPr lang="ko-KR" altLang="en-US" sz="1400" smtClean="0"/>
+              <a:t>형 상수 </a:t>
+            </a:r>
+            <a:r>
+              <a:rPr lang="en-US" altLang="ko-KR" sz="1400" smtClean="0"/>
+              <a:t>nsize</a:t>
+            </a:r>
+            <a:r>
+              <a:rPr lang="ko-KR" altLang="en-US" sz="1400" smtClean="0"/>
+              <a:t>를 </a:t>
+            </a:r>
+            <a:r>
+              <a:rPr lang="en-US" altLang="ko-KR" sz="1400" smtClean="0"/>
+              <a:t>8</a:t>
+            </a:r>
+            <a:r>
+              <a:rPr lang="ko-KR" altLang="en-US" sz="1400" smtClean="0"/>
+              <a:t>로 생성</a:t>
+            </a:r>
+            <a:endParaRPr lang="en-US" altLang="ko-KR" sz="1400"/>
+          </a:p>
+          <a:p>
+            <a:endParaRPr lang="en-US" altLang="ko-KR" sz="1400" smtClean="0"/>
+          </a:p>
+          <a:p>
+            <a:r>
+              <a:rPr lang="en-US" altLang="ko-KR" sz="1400" smtClean="0"/>
+              <a:t>image </a:t>
+            </a:r>
+            <a:r>
+              <a:rPr lang="ko-KR" altLang="en-US" sz="1400" smtClean="0"/>
+              <a:t>구조체 이중 포인터 </a:t>
+            </a:r>
+            <a:r>
+              <a:rPr lang="en-US" altLang="ko-KR" sz="1400" smtClean="0"/>
+              <a:t>alphabets</a:t>
+            </a:r>
+            <a:r>
+              <a:rPr lang="ko-KR" altLang="en-US" sz="1400" smtClean="0"/>
+              <a:t>를 선언하고 구조체 </a:t>
+            </a:r>
+            <a:r>
+              <a:rPr lang="en-US" altLang="ko-KR" sz="1400" smtClean="0"/>
+              <a:t>image</a:t>
+            </a:r>
+            <a:r>
+              <a:rPr lang="ko-KR" altLang="en-US" sz="1400"/>
+              <a:t> </a:t>
+            </a:r>
+            <a:r>
+              <a:rPr lang="en-US" altLang="ko-KR" sz="1400" smtClean="0"/>
+              <a:t>8</a:t>
+            </a:r>
+            <a:r>
+              <a:rPr lang="ko-KR" altLang="en-US" sz="1400" smtClean="0"/>
+              <a:t>개의 크기로 메모리 동적할당</a:t>
+            </a:r>
+            <a:endParaRPr lang="en-US" altLang="ko-KR" sz="1400" smtClean="0"/>
+          </a:p>
+          <a:p>
+            <a:endParaRPr lang="en-US" altLang="ko-KR" sz="1400"/>
+          </a:p>
+          <a:p>
+            <a:r>
+              <a:rPr lang="en-US" altLang="ko-KR" sz="1400" smtClean="0"/>
+              <a:t>0</a:t>
+            </a:r>
+            <a:r>
+              <a:rPr lang="ko-KR" altLang="en-US" sz="1400" smtClean="0"/>
+              <a:t>부터 </a:t>
+            </a:r>
+            <a:r>
+              <a:rPr lang="en-US" altLang="ko-KR" sz="1400" smtClean="0"/>
+              <a:t>nsize(9)</a:t>
+            </a:r>
+            <a:r>
+              <a:rPr lang="ko-KR" altLang="en-US" sz="1400" smtClean="0"/>
+              <a:t>만큼 순회하면서 각 </a:t>
+            </a:r>
+            <a:r>
+              <a:rPr lang="en-US" altLang="ko-KR" sz="1400" smtClean="0"/>
+              <a:t>alphabets </a:t>
+            </a:r>
+            <a:r>
+              <a:rPr lang="ko-KR" altLang="en-US" sz="1400" smtClean="0"/>
+              <a:t>요소에 </a:t>
+            </a:r>
+            <a:r>
+              <a:rPr lang="en-US" altLang="ko-KR" sz="1400" smtClean="0"/>
+              <a:t>128</a:t>
+            </a:r>
+            <a:r>
+              <a:rPr lang="ko-KR" altLang="en-US" sz="1400" smtClean="0"/>
+              <a:t>개의 </a:t>
+            </a:r>
+            <a:r>
+              <a:rPr lang="en-US" altLang="ko-KR" sz="1400" smtClean="0"/>
+              <a:t>image </a:t>
+            </a:r>
+            <a:r>
+              <a:rPr lang="ko-KR" altLang="en-US" sz="1400" smtClean="0"/>
+              <a:t>구조체크기 만큼 메모리 동적 할당</a:t>
+            </a:r>
+            <a:endParaRPr lang="en-US" altLang="ko-KR" sz="1400" smtClean="0"/>
+          </a:p>
+          <a:p>
+            <a:endParaRPr lang="en-US" altLang="ko-KR" sz="1400"/>
+          </a:p>
+          <a:p>
+            <a:r>
+              <a:rPr lang="en-US" altLang="ko-KR" sz="1400" smtClean="0"/>
+              <a:t>32</a:t>
+            </a:r>
+            <a:r>
+              <a:rPr lang="ko-KR" altLang="en-US" sz="1400" smtClean="0"/>
+              <a:t>부터 </a:t>
+            </a:r>
+            <a:r>
+              <a:rPr lang="en-US" altLang="ko-KR" sz="1400" smtClean="0"/>
+              <a:t>127</a:t>
+            </a:r>
+            <a:r>
+              <a:rPr lang="ko-KR" altLang="en-US" sz="1400" smtClean="0"/>
+              <a:t>까지 순회</a:t>
+            </a:r>
+            <a:endParaRPr lang="en-US" altLang="ko-KR" sz="1400" smtClean="0"/>
+          </a:p>
+          <a:p>
+            <a:r>
+              <a:rPr lang="en-US" altLang="ko-KR" sz="1400"/>
+              <a:t> </a:t>
+            </a:r>
+            <a:r>
+              <a:rPr lang="en-US" altLang="ko-KR" sz="1400" smtClean="0"/>
+              <a:t> - char </a:t>
+            </a:r>
+            <a:r>
+              <a:rPr lang="ko-KR" altLang="en-US" sz="1400" smtClean="0"/>
+              <a:t>배열 </a:t>
+            </a:r>
+            <a:r>
+              <a:rPr lang="en-US" altLang="ko-KR" sz="1400" smtClean="0"/>
+              <a:t>buff</a:t>
+            </a:r>
+            <a:r>
+              <a:rPr lang="ko-KR" altLang="en-US" sz="1400" smtClean="0"/>
+              <a:t>를 </a:t>
+            </a:r>
+            <a:r>
+              <a:rPr lang="en-US" altLang="ko-KR" sz="1400" smtClean="0"/>
+              <a:t>256 </a:t>
+            </a:r>
+            <a:r>
+              <a:rPr lang="ko-KR" altLang="en-US" sz="1400" smtClean="0"/>
+              <a:t>크기의 사이즈로 선언</a:t>
+            </a:r>
+            <a:endParaRPr lang="en-US" altLang="ko-KR" sz="1400" smtClean="0"/>
+          </a:p>
+          <a:p>
+            <a:r>
+              <a:rPr lang="en-US" altLang="ko-KR" sz="1400"/>
+              <a:t> </a:t>
+            </a:r>
+            <a:r>
+              <a:rPr lang="en-US" altLang="ko-KR" sz="1400" smtClean="0"/>
+              <a:t> - buff</a:t>
+            </a:r>
+            <a:r>
+              <a:rPr lang="ko-KR" altLang="en-US" sz="1400" smtClean="0"/>
+              <a:t>에 순회를 돌면서 각 </a:t>
+            </a:r>
+            <a:r>
+              <a:rPr lang="en-US" altLang="ko-KR" sz="1400" smtClean="0"/>
+              <a:t>png</a:t>
+            </a:r>
+            <a:r>
+              <a:rPr lang="ko-KR" altLang="en-US" sz="1400" smtClean="0"/>
+              <a:t>의 경로를 넣어준다</a:t>
+            </a:r>
+            <a:endParaRPr lang="en-US" altLang="ko-KR" sz="1400" smtClean="0"/>
+          </a:p>
+          <a:p>
+            <a:r>
+              <a:rPr lang="en-US" altLang="ko-KR" sz="1400"/>
+              <a:t> </a:t>
+            </a:r>
+            <a:r>
+              <a:rPr lang="en-US" altLang="ko-KR" sz="1400" smtClean="0"/>
+              <a:t> - alphabets</a:t>
+            </a:r>
+            <a:r>
+              <a:rPr lang="ko-KR" altLang="en-US" sz="1400" smtClean="0"/>
+              <a:t>의 </a:t>
+            </a:r>
+            <a:r>
+              <a:rPr lang="en-US" altLang="ko-KR" sz="1400" smtClean="0"/>
+              <a:t>2</a:t>
+            </a:r>
+            <a:r>
+              <a:rPr lang="ko-KR" altLang="en-US" sz="1400" smtClean="0"/>
+              <a:t>차원 배열에 위에서 넣어준 데이터 결로를 </a:t>
+            </a:r>
+            <a:r>
+              <a:rPr lang="en-US" altLang="ko-KR" sz="1400" smtClean="0"/>
+              <a:t>buff</a:t>
+            </a:r>
+            <a:r>
+              <a:rPr lang="ko-KR" altLang="en-US" sz="1400" smtClean="0"/>
+              <a:t>로 인자로 갖는 </a:t>
+            </a:r>
+            <a:r>
+              <a:rPr lang="en-US" altLang="ko-KR" sz="1400" smtClean="0"/>
+              <a:t>load_image_color</a:t>
+            </a:r>
+            <a:r>
+              <a:rPr lang="ko-KR" altLang="en-US" sz="1400" smtClean="0"/>
+              <a:t>를 호출해 반환값 입력</a:t>
+            </a:r>
+            <a:endParaRPr lang="en-US" altLang="ko-KR" sz="1400" smtClean="0"/>
+          </a:p>
+          <a:p>
+            <a:endParaRPr lang="en-US" altLang="ko-KR" sz="1400"/>
+          </a:p>
+          <a:p>
+            <a:r>
+              <a:rPr lang="ko-KR" altLang="en-US" sz="1400" smtClean="0"/>
+              <a:t>순회 이후에 </a:t>
+            </a:r>
+            <a:r>
+              <a:rPr lang="en-US" altLang="ko-KR" sz="1400" smtClean="0"/>
+              <a:t>alphabets</a:t>
+            </a:r>
+            <a:r>
+              <a:rPr lang="ko-KR" altLang="en-US" sz="1400" smtClean="0"/>
+              <a:t>를 반환하고 메소드 종료</a:t>
+            </a:r>
+            <a:endParaRPr lang="en-US" altLang="ko-KR" sz="1400" smtClean="0"/>
+          </a:p>
+        </p:txBody>
+      </p:sp>
+      <p:sp>
+        <p:nvSpPr>
+          <p:cNvPr id="7" name="TextBox 6"/>
+          <p:cNvSpPr txBox="1"/>
+          <p:nvPr/>
+        </p:nvSpPr>
+        <p:spPr>
+          <a:xfrm>
+            <a:off x="3441470" y="224444"/>
+            <a:ext cx="5370022" cy="461665"/>
+          </a:xfrm>
+          <a:prstGeom prst="rect">
+            <a:avLst/>
+          </a:prstGeom>
+          <a:noFill/>
+        </p:spPr>
+        <p:txBody>
+          <a:bodyPr wrap="square" rtlCol="0">
+            <a:spAutoFit/>
+          </a:bodyPr>
+          <a:lstStyle/>
+          <a:p>
+            <a:r>
+              <a:rPr lang="en-US" altLang="ko-KR" sz="2400" smtClean="0">
+                <a:latin typeface="HY헤드라인M" panose="02030600000101010101" pitchFamily="18" charset="-127"/>
+                <a:ea typeface="HY헤드라인M" panose="02030600000101010101" pitchFamily="18" charset="-127"/>
+              </a:rPr>
+              <a:t>Yolo – detector.c ( test_detector )</a:t>
+            </a:r>
+            <a:endParaRPr lang="ko-KR" altLang="en-US" sz="2400">
+              <a:latin typeface="HY헤드라인M" panose="02030600000101010101" pitchFamily="18" charset="-127"/>
+              <a:ea typeface="HY헤드라인M" panose="02030600000101010101" pitchFamily="18" charset="-127"/>
+            </a:endParaRPr>
+          </a:p>
+        </p:txBody>
+      </p:sp>
+      <p:pic>
+        <p:nvPicPr>
+          <p:cNvPr id="2" name="그림 1"/>
+          <p:cNvPicPr>
+            <a:picLocks noChangeAspect="1"/>
+          </p:cNvPicPr>
+          <p:nvPr/>
+        </p:nvPicPr>
+        <p:blipFill>
+          <a:blip r:embed="rId2">
+            <a:extLst>
+              <a:ext uri="{28A0092B-C50C-407E-A947-70E740481C1C}">
+                <a14:useLocalDpi xmlns:a14="http://schemas.microsoft.com/office/drawing/2010/main" val="0"/>
+              </a:ext>
+            </a:extLst>
+          </a:blip>
+          <a:stretch>
+            <a:fillRect/>
+          </a:stretch>
+        </p:blipFill>
+        <p:spPr>
+          <a:xfrm>
+            <a:off x="507508" y="1091392"/>
+            <a:ext cx="4543425" cy="2247900"/>
+          </a:xfrm>
+          <a:prstGeom prst="rect">
+            <a:avLst/>
+          </a:prstGeom>
+        </p:spPr>
+      </p:pic>
+    </p:spTree>
+    <p:extLst>
+      <p:ext uri="{BB962C8B-B14F-4D97-AF65-F5344CB8AC3E}">
+        <p14:creationId xmlns:p14="http://schemas.microsoft.com/office/powerpoint/2010/main" val="3310530044"/>
+      </p:ext>
+    </p:extLst>
+  </p:cSld>
+  <p:clrMapOvr>
+    <a:masterClrMapping/>
+  </p:clrMapOvr>
+  <p:timing>
+    <p:tnLst>
+      <p:par>
+        <p:cTn id="1" dur="indefinite" restart="never" nodeType="tmRoot"/>
+      </p:par>
+    </p:tnLst>
+  </p:timing>
+</p:sld>
+</file>
+
+<file path=ppt/slides/slide13.xml><?xml version="1.0" encoding="utf-8"?>
+<p:sld xmlns:a="http://schemas.openxmlformats.org/drawingml/2006/main" xmlns:r="http://schemas.openxmlformats.org/officeDocument/2006/relationships" xmlns:p="http://schemas.openxmlformats.org/presentationml/2006/main">
+  <p:cSld>
+    <p:spTree>
+      <p:nvGrpSpPr>
+        <p:cNvPr id="1" name=""/>
+        <p:cNvGrpSpPr/>
+        <p:nvPr/>
+      </p:nvGrpSpPr>
+      <p:grpSpPr>
+        <a:xfrm>
+          <a:off x="0" y="0"/>
+          <a:ext cx="0" cy="0"/>
+          <a:chOff x="0" y="0"/>
+          <a:chExt cx="0" cy="0"/>
+        </a:xfrm>
+      </p:grpSpPr>
+      <p:sp>
+        <p:nvSpPr>
+          <p:cNvPr id="6" name="TextBox 5"/>
+          <p:cNvSpPr txBox="1"/>
+          <p:nvPr/>
+        </p:nvSpPr>
+        <p:spPr>
+          <a:xfrm>
+            <a:off x="6342611" y="864523"/>
+            <a:ext cx="5436523" cy="3970318"/>
+          </a:xfrm>
+          <a:prstGeom prst="rect">
+            <a:avLst/>
+          </a:prstGeom>
+          <a:noFill/>
+        </p:spPr>
+        <p:txBody>
+          <a:bodyPr wrap="square" rtlCol="0">
+            <a:spAutoFit/>
+          </a:bodyPr>
+          <a:lstStyle/>
+          <a:p>
+            <a:r>
+              <a:rPr lang="en-US" altLang="ko-KR" sz="1400" smtClean="0">
+                <a:solidFill>
+                  <a:srgbClr val="FF0000"/>
+                </a:solidFill>
+              </a:rPr>
+              <a:t>alphabets[j][i] = load_image color(buff, 0 , 0);</a:t>
+            </a:r>
+          </a:p>
+          <a:p>
+            <a:endParaRPr lang="en-US" altLang="ko-KR" sz="1400">
+              <a:solidFill>
+                <a:srgbClr val="FF0000"/>
+              </a:solidFill>
+            </a:endParaRPr>
+          </a:p>
+          <a:p>
+            <a:r>
+              <a:rPr lang="ko-KR" altLang="en-US" sz="1400" smtClean="0"/>
+              <a:t>파라미터로 받은 </a:t>
+            </a:r>
+            <a:r>
+              <a:rPr lang="en-US" altLang="ko-KR" sz="1400" smtClean="0"/>
+              <a:t>filename, w, h</a:t>
+            </a:r>
+            <a:r>
+              <a:rPr lang="ko-KR" altLang="en-US" sz="1400" smtClean="0"/>
+              <a:t>를 이용하여 </a:t>
+            </a:r>
+            <a:r>
+              <a:rPr lang="en-US" altLang="ko-KR" sz="1400" smtClean="0"/>
+              <a:t>load_image </a:t>
+            </a:r>
+            <a:r>
+              <a:rPr lang="ko-KR" altLang="en-US" sz="1400" smtClean="0"/>
+              <a:t>메소드를 호출하여 리턴한다</a:t>
+            </a:r>
+            <a:endParaRPr lang="en-US" altLang="ko-KR" sz="1400" smtClean="0"/>
+          </a:p>
+          <a:p>
+            <a:endParaRPr lang="en-US" altLang="ko-KR" sz="1400"/>
+          </a:p>
+          <a:p>
+            <a:r>
+              <a:rPr lang="en-US" altLang="ko-KR" sz="1400" smtClean="0"/>
+              <a:t>load_image</a:t>
+            </a:r>
+          </a:p>
+          <a:p>
+            <a:endParaRPr lang="en-US" altLang="ko-KR" sz="1400"/>
+          </a:p>
+          <a:p>
+            <a:r>
+              <a:rPr lang="en-US" altLang="ko-KR" sz="1400" smtClean="0"/>
+              <a:t>opencv </a:t>
+            </a:r>
+            <a:r>
+              <a:rPr lang="ko-KR" altLang="en-US" sz="1400" smtClean="0"/>
+              <a:t>옵션이 설정되어있으면 받았던 파라미터 </a:t>
+            </a:r>
+            <a:r>
+              <a:rPr lang="en-US" altLang="ko-KR" sz="1400" smtClean="0"/>
+              <a:t>filename, c</a:t>
+            </a:r>
+            <a:r>
+              <a:rPr lang="ko-KR" altLang="en-US" sz="1400" smtClean="0"/>
+              <a:t>를 이용하여 </a:t>
+            </a:r>
+            <a:r>
+              <a:rPr lang="en-US" altLang="ko-KR" sz="1400" smtClean="0"/>
+              <a:t>load_image_cv</a:t>
+            </a:r>
+            <a:r>
+              <a:rPr lang="ko-KR" altLang="en-US" sz="1400" smtClean="0"/>
+              <a:t>를 이용하여 </a:t>
+            </a:r>
+            <a:r>
+              <a:rPr lang="en-US" altLang="ko-KR" sz="1400" smtClean="0"/>
+              <a:t>image</a:t>
+            </a:r>
+            <a:r>
+              <a:rPr lang="ko-KR" altLang="en-US" sz="1400" smtClean="0"/>
+              <a:t>구조체 </a:t>
+            </a:r>
+            <a:r>
+              <a:rPr lang="en-US" altLang="ko-KR" sz="1400" smtClean="0"/>
+              <a:t>out</a:t>
+            </a:r>
+            <a:r>
+              <a:rPr lang="ko-KR" altLang="en-US" sz="1400" smtClean="0"/>
+              <a:t>에 저장한다</a:t>
+            </a:r>
+            <a:endParaRPr lang="en-US" altLang="ko-KR" sz="1400" smtClean="0"/>
+          </a:p>
+          <a:p>
+            <a:endParaRPr lang="en-US" altLang="ko-KR" sz="1400"/>
+          </a:p>
+          <a:p>
+            <a:r>
+              <a:rPr lang="en-US" altLang="ko-KR" sz="1400" smtClean="0"/>
+              <a:t>opencv </a:t>
+            </a:r>
+            <a:r>
+              <a:rPr lang="ko-KR" altLang="en-US" sz="1400" smtClean="0"/>
+              <a:t>옵션이 설정되어있지 않다면 </a:t>
+            </a:r>
+            <a:r>
+              <a:rPr lang="en-US" altLang="ko-KR" sz="1400" smtClean="0"/>
+              <a:t>load_image_stb</a:t>
+            </a:r>
+            <a:r>
+              <a:rPr lang="ko-KR" altLang="en-US" sz="1400" smtClean="0"/>
+              <a:t>메소드를 이요한다</a:t>
+            </a:r>
+            <a:r>
+              <a:rPr lang="en-US" altLang="ko-KR" sz="1400" smtClean="0"/>
+              <a:t>.</a:t>
+            </a:r>
+          </a:p>
+          <a:p>
+            <a:endParaRPr lang="en-US" altLang="ko-KR" sz="1400"/>
+          </a:p>
+          <a:p>
+            <a:r>
+              <a:rPr lang="ko-KR" altLang="en-US" sz="1400" smtClean="0"/>
+              <a:t>받은 파라미터의 </a:t>
+            </a:r>
+            <a:r>
+              <a:rPr lang="en-US" altLang="ko-KR" sz="1400" smtClean="0"/>
+              <a:t>w,h</a:t>
+            </a:r>
+            <a:r>
+              <a:rPr lang="ko-KR" altLang="en-US" sz="1400" smtClean="0"/>
+              <a:t>값이 존재하고</a:t>
+            </a:r>
+            <a:r>
+              <a:rPr lang="en-US" altLang="ko-KR" sz="1400" smtClean="0"/>
+              <a:t>, </a:t>
+            </a:r>
+            <a:r>
+              <a:rPr lang="ko-KR" altLang="en-US" sz="1400" smtClean="0"/>
+              <a:t>읽어들인 </a:t>
+            </a:r>
+            <a:r>
+              <a:rPr lang="en-US" altLang="ko-KR" sz="1400" smtClean="0"/>
+              <a:t>image </a:t>
+            </a:r>
+            <a:r>
+              <a:rPr lang="ko-KR" altLang="en-US" sz="1400" smtClean="0"/>
+              <a:t>구조체의 </a:t>
+            </a:r>
+            <a:r>
+              <a:rPr lang="en-US" altLang="ko-KR" sz="1400" smtClean="0"/>
+              <a:t>w</a:t>
+            </a:r>
+            <a:r>
+              <a:rPr lang="ko-KR" altLang="en-US" sz="1400" smtClean="0"/>
+              <a:t>와 </a:t>
+            </a:r>
+            <a:r>
+              <a:rPr lang="en-US" altLang="ko-KR" sz="1400" smtClean="0"/>
+              <a:t>h</a:t>
+            </a:r>
+            <a:r>
+              <a:rPr lang="ko-KR" altLang="en-US" sz="1400" smtClean="0"/>
+              <a:t>가 일치 하지 않는다면 받은 파라미터 </a:t>
+            </a:r>
+            <a:r>
+              <a:rPr lang="en-US" altLang="ko-KR" sz="1400" smtClean="0"/>
+              <a:t>w,h</a:t>
+            </a:r>
+            <a:r>
+              <a:rPr lang="ko-KR" altLang="en-US" sz="1400" smtClean="0"/>
+              <a:t>와 받은 </a:t>
+            </a:r>
+            <a:r>
+              <a:rPr lang="en-US" altLang="ko-KR" sz="1400" smtClean="0"/>
+              <a:t>w,h</a:t>
+            </a:r>
+            <a:r>
+              <a:rPr lang="ko-KR" altLang="en-US" sz="1400" smtClean="0"/>
+              <a:t>로 리사이즈 한 후에 </a:t>
+            </a:r>
+            <a:r>
+              <a:rPr lang="en-US" altLang="ko-KR" sz="1400" smtClean="0"/>
+              <a:t>out</a:t>
+            </a:r>
+            <a:r>
+              <a:rPr lang="ko-KR" altLang="en-US" sz="1400" smtClean="0"/>
+              <a:t>에 넣는다</a:t>
+            </a:r>
+            <a:r>
+              <a:rPr lang="en-US" altLang="ko-KR" sz="1400" smtClean="0"/>
+              <a:t>.</a:t>
+            </a:r>
+          </a:p>
+          <a:p>
+            <a:endParaRPr lang="en-US" altLang="ko-KR" sz="1400"/>
+          </a:p>
+          <a:p>
+            <a:r>
+              <a:rPr lang="en-US" altLang="ko-KR" sz="1400" smtClean="0"/>
+              <a:t>out</a:t>
+            </a:r>
+            <a:r>
+              <a:rPr lang="ko-KR" altLang="en-US" sz="1400" smtClean="0"/>
+              <a:t>을 반환한다</a:t>
+            </a:r>
+            <a:r>
+              <a:rPr lang="en-US" altLang="ko-KR" sz="1400" smtClean="0"/>
+              <a:t>.</a:t>
+            </a:r>
+            <a:endParaRPr lang="en-US" altLang="ko-KR" sz="1400" smtClean="0"/>
+          </a:p>
+        </p:txBody>
+      </p:sp>
+      <p:sp>
+        <p:nvSpPr>
+          <p:cNvPr id="7" name="TextBox 6"/>
+          <p:cNvSpPr txBox="1"/>
+          <p:nvPr/>
+        </p:nvSpPr>
+        <p:spPr>
+          <a:xfrm>
+            <a:off x="3441470" y="224444"/>
+            <a:ext cx="5370022" cy="461665"/>
+          </a:xfrm>
+          <a:prstGeom prst="rect">
+            <a:avLst/>
+          </a:prstGeom>
+          <a:noFill/>
+        </p:spPr>
+        <p:txBody>
+          <a:bodyPr wrap="square" rtlCol="0">
+            <a:spAutoFit/>
+          </a:bodyPr>
+          <a:lstStyle/>
+          <a:p>
+            <a:r>
+              <a:rPr lang="en-US" altLang="ko-KR" sz="2400" smtClean="0">
+                <a:latin typeface="HY헤드라인M" panose="02030600000101010101" pitchFamily="18" charset="-127"/>
+                <a:ea typeface="HY헤드라인M" panose="02030600000101010101" pitchFamily="18" charset="-127"/>
+              </a:rPr>
+              <a:t>Yolo – detector.c ( test_detector )</a:t>
+            </a:r>
+            <a:endParaRPr lang="ko-KR" altLang="en-US" sz="2400">
+              <a:latin typeface="HY헤드라인M" panose="02030600000101010101" pitchFamily="18" charset="-127"/>
+              <a:ea typeface="HY헤드라인M" panose="02030600000101010101" pitchFamily="18" charset="-127"/>
+            </a:endParaRPr>
+          </a:p>
+        </p:txBody>
+      </p:sp>
+      <p:pic>
+        <p:nvPicPr>
+          <p:cNvPr id="3" name="그림 2"/>
+          <p:cNvPicPr>
+            <a:picLocks noChangeAspect="1"/>
+          </p:cNvPicPr>
+          <p:nvPr/>
+        </p:nvPicPr>
+        <p:blipFill>
+          <a:blip r:embed="rId2">
+            <a:extLst>
+              <a:ext uri="{28A0092B-C50C-407E-A947-70E740481C1C}">
+                <a14:useLocalDpi xmlns:a14="http://schemas.microsoft.com/office/drawing/2010/main" val="0"/>
+              </a:ext>
+            </a:extLst>
+          </a:blip>
+          <a:stretch>
+            <a:fillRect/>
+          </a:stretch>
+        </p:blipFill>
+        <p:spPr>
+          <a:xfrm>
+            <a:off x="603625" y="977351"/>
+            <a:ext cx="4600575" cy="3190875"/>
+          </a:xfrm>
+          <a:prstGeom prst="rect">
+            <a:avLst/>
+          </a:prstGeom>
+        </p:spPr>
+      </p:pic>
+    </p:spTree>
+    <p:extLst>
+      <p:ext uri="{BB962C8B-B14F-4D97-AF65-F5344CB8AC3E}">
+        <p14:creationId xmlns:p14="http://schemas.microsoft.com/office/powerpoint/2010/main" val="443569580"/>
+      </p:ext>
+    </p:extLst>
+  </p:cSld>
+  <p:clrMapOvr>
+    <a:masterClrMapping/>
+  </p:clrMapOvr>
+  <p:timing>
+    <p:tnLst>
+      <p:par>
+        <p:cTn id="1" dur="indefinite" restart="never" nodeType="tmRoot"/>
+      </p:par>
+    </p:tnLst>
+  </p:timing>
+</p:sld>
+</file>
+
+<file path=ppt/slides/slide14.xml><?xml version="1.0" encoding="utf-8"?>
+<p:sld xmlns:a="http://schemas.openxmlformats.org/drawingml/2006/main" xmlns:r="http://schemas.openxmlformats.org/officeDocument/2006/relationships" xmlns:p="http://schemas.openxmlformats.org/presentationml/2006/main">
+  <p:cSld>
+    <p:spTree>
+      <p:nvGrpSpPr>
+        <p:cNvPr id="1" name=""/>
+        <p:cNvGrpSpPr/>
+        <p:nvPr/>
+      </p:nvGrpSpPr>
+      <p:grpSpPr>
+        <a:xfrm>
+          <a:off x="0" y="0"/>
+          <a:ext cx="0" cy="0"/>
+          <a:chOff x="0" y="0"/>
+          <a:chExt cx="0" cy="0"/>
+        </a:xfrm>
+      </p:grpSpPr>
+      <p:sp>
+        <p:nvSpPr>
+          <p:cNvPr id="6" name="TextBox 5"/>
+          <p:cNvSpPr txBox="1"/>
+          <p:nvPr/>
+        </p:nvSpPr>
+        <p:spPr>
+          <a:xfrm>
+            <a:off x="6342611" y="864523"/>
+            <a:ext cx="5436523" cy="2462213"/>
+          </a:xfrm>
+          <a:prstGeom prst="rect">
+            <a:avLst/>
+          </a:prstGeom>
+          <a:noFill/>
+        </p:spPr>
+        <p:txBody>
+          <a:bodyPr wrap="square" rtlCol="0">
+            <a:spAutoFit/>
+          </a:bodyPr>
+          <a:lstStyle/>
+          <a:p>
+            <a:r>
+              <a:rPr lang="en-US" altLang="ko-KR" sz="1400" smtClean="0">
+                <a:solidFill>
+                  <a:srgbClr val="FF0000"/>
+                </a:solidFill>
+              </a:rPr>
+              <a:t>fuse_conv_batchnorm(net);</a:t>
+            </a:r>
+          </a:p>
+          <a:p>
+            <a:endParaRPr lang="en-US" altLang="ko-KR" sz="1400" smtClean="0">
+              <a:solidFill>
+                <a:srgbClr val="FF0000"/>
+              </a:solidFill>
+            </a:endParaRPr>
+          </a:p>
+          <a:p>
+            <a:r>
+              <a:rPr lang="en-US" altLang="ko-KR" sz="1400" smtClean="0"/>
+              <a:t>int</a:t>
+            </a:r>
+            <a:r>
+              <a:rPr lang="ko-KR" altLang="en-US" sz="1400" smtClean="0"/>
+              <a:t>형 변수 </a:t>
+            </a:r>
+            <a:r>
+              <a:rPr lang="en-US" altLang="ko-KR" sz="1400" smtClean="0"/>
+              <a:t>j</a:t>
+            </a:r>
+            <a:r>
+              <a:rPr lang="ko-KR" altLang="en-US" sz="1400" smtClean="0"/>
+              <a:t>를 선언한다</a:t>
+            </a:r>
+            <a:endParaRPr lang="en-US" altLang="ko-KR" sz="1400" smtClean="0"/>
+          </a:p>
+          <a:p>
+            <a:endParaRPr lang="en-US" altLang="ko-KR" sz="1400"/>
+          </a:p>
+          <a:p>
+            <a:r>
+              <a:rPr lang="en-US" altLang="ko-KR" sz="1400" smtClean="0"/>
+              <a:t>0</a:t>
+            </a:r>
+            <a:r>
+              <a:rPr lang="ko-KR" altLang="en-US" sz="1400" smtClean="0"/>
+              <a:t>에서부터 파라미터로 받은 </a:t>
+            </a:r>
+            <a:r>
+              <a:rPr lang="en-US" altLang="ko-KR" sz="1400" smtClean="0"/>
+              <a:t>net</a:t>
+            </a:r>
+            <a:r>
+              <a:rPr lang="ko-KR" altLang="en-US" sz="1400" smtClean="0"/>
+              <a:t>의 </a:t>
+            </a:r>
+            <a:r>
+              <a:rPr lang="en-US" altLang="ko-KR" sz="1400" smtClean="0"/>
+              <a:t>n</a:t>
+            </a:r>
+            <a:r>
+              <a:rPr lang="ko-KR" altLang="en-US" sz="1400" smtClean="0"/>
+              <a:t>만큼</a:t>
+            </a:r>
+            <a:r>
+              <a:rPr lang="en-US" altLang="ko-KR" sz="1400" smtClean="0"/>
+              <a:t>(</a:t>
+            </a:r>
+            <a:r>
+              <a:rPr lang="ko-KR" altLang="en-US" sz="1400" smtClean="0"/>
+              <a:t>크기</a:t>
+            </a:r>
+            <a:r>
+              <a:rPr lang="en-US" altLang="ko-KR" sz="1400" smtClean="0"/>
+              <a:t>) </a:t>
+            </a:r>
+            <a:r>
+              <a:rPr lang="ko-KR" altLang="en-US" sz="1400" smtClean="0"/>
+              <a:t>순회를 돈다</a:t>
+            </a:r>
+            <a:r>
+              <a:rPr lang="en-US" altLang="ko-KR" sz="1400" smtClean="0"/>
+              <a:t>.</a:t>
+            </a:r>
+          </a:p>
+          <a:p>
+            <a:r>
+              <a:rPr lang="en-US" altLang="ko-KR" sz="1400"/>
+              <a:t> </a:t>
+            </a:r>
+            <a:r>
+              <a:rPr lang="en-US" altLang="ko-KR" sz="1400" smtClean="0"/>
+              <a:t> </a:t>
+            </a:r>
+          </a:p>
+          <a:p>
+            <a:r>
+              <a:rPr lang="en-US" altLang="ko-KR" sz="1400"/>
+              <a:t> </a:t>
+            </a:r>
+            <a:r>
+              <a:rPr lang="en-US" altLang="ko-KR" sz="1400" smtClean="0"/>
+              <a:t> </a:t>
+            </a:r>
+            <a:r>
+              <a:rPr lang="en-US" altLang="ko-KR" sz="1400" smtClean="0"/>
+              <a:t>- layer </a:t>
+            </a:r>
+            <a:r>
+              <a:rPr lang="ko-KR" altLang="en-US" sz="1400" smtClean="0"/>
+              <a:t>구조체 포인터 </a:t>
+            </a:r>
+            <a:r>
+              <a:rPr lang="en-US" altLang="ko-KR" sz="1400" smtClean="0"/>
+              <a:t>l</a:t>
+            </a:r>
+            <a:r>
+              <a:rPr lang="ko-KR" altLang="en-US" sz="1400" smtClean="0"/>
+              <a:t>을 선언하여 </a:t>
+            </a:r>
+            <a:r>
+              <a:rPr lang="en-US" altLang="ko-KR" sz="1400" smtClean="0"/>
+              <a:t>net</a:t>
+            </a:r>
+            <a:r>
+              <a:rPr lang="ko-KR" altLang="en-US" sz="1400" smtClean="0"/>
+              <a:t>의 레이어중 </a:t>
+            </a:r>
+            <a:r>
+              <a:rPr lang="en-US" altLang="ko-KR" sz="1400" smtClean="0"/>
+              <a:t>j</a:t>
+            </a:r>
+            <a:r>
+              <a:rPr lang="ko-KR" altLang="en-US" sz="1400" smtClean="0"/>
+              <a:t>번째에 해당하는 주소를 넘긴다</a:t>
+            </a:r>
+            <a:endParaRPr lang="en-US" altLang="ko-KR" sz="1400" smtClean="0"/>
+          </a:p>
+          <a:p>
+            <a:r>
+              <a:rPr lang="en-US" altLang="ko-KR" sz="1400"/>
+              <a:t> </a:t>
+            </a:r>
+            <a:r>
+              <a:rPr lang="en-US" altLang="ko-KR" sz="1400" smtClean="0"/>
+              <a:t> - </a:t>
+            </a:r>
+            <a:r>
+              <a:rPr lang="ko-KR" altLang="en-US" sz="1400" smtClean="0"/>
+              <a:t>만약 </a:t>
+            </a:r>
+            <a:r>
+              <a:rPr lang="en-US" altLang="ko-KR" sz="1400" smtClean="0"/>
+              <a:t>l</a:t>
+            </a:r>
+            <a:r>
+              <a:rPr lang="ko-KR" altLang="en-US" sz="1400" smtClean="0"/>
+              <a:t>의 </a:t>
+            </a:r>
+            <a:r>
+              <a:rPr lang="en-US" altLang="ko-KR" sz="1400" smtClean="0"/>
+              <a:t>type</a:t>
+            </a:r>
+            <a:r>
+              <a:rPr lang="ko-KR" altLang="en-US" sz="1400" smtClean="0"/>
+              <a:t>이 </a:t>
+            </a:r>
+            <a:r>
+              <a:rPr lang="en-US" altLang="ko-KR" sz="1400" smtClean="0"/>
+              <a:t>CONVOLUTIONAL </a:t>
+            </a:r>
+            <a:r>
+              <a:rPr lang="ko-KR" altLang="en-US" sz="1400" smtClean="0"/>
+              <a:t>이라면 다시 다음 분기문으로 들어간다</a:t>
+            </a:r>
+            <a:endParaRPr lang="en-US" altLang="ko-KR" sz="1400" smtClean="0"/>
+          </a:p>
+          <a:p>
+            <a:r>
+              <a:rPr lang="en-US" altLang="ko-KR" sz="1400"/>
+              <a:t> </a:t>
+            </a:r>
+            <a:r>
+              <a:rPr lang="en-US" altLang="ko-KR" sz="1400" smtClean="0"/>
+              <a:t> - </a:t>
+            </a:r>
+            <a:endParaRPr lang="en-US" altLang="ko-KR" sz="1400"/>
+          </a:p>
+        </p:txBody>
+      </p:sp>
+      <p:sp>
+        <p:nvSpPr>
+          <p:cNvPr id="7" name="TextBox 6"/>
+          <p:cNvSpPr txBox="1"/>
+          <p:nvPr/>
+        </p:nvSpPr>
+        <p:spPr>
+          <a:xfrm>
+            <a:off x="3441470" y="224444"/>
+            <a:ext cx="5370022" cy="461665"/>
+          </a:xfrm>
+          <a:prstGeom prst="rect">
+            <a:avLst/>
+          </a:prstGeom>
+          <a:noFill/>
+        </p:spPr>
+        <p:txBody>
+          <a:bodyPr wrap="square" rtlCol="0">
+            <a:spAutoFit/>
+          </a:bodyPr>
+          <a:lstStyle/>
+          <a:p>
+            <a:r>
+              <a:rPr lang="en-US" altLang="ko-KR" sz="2400" smtClean="0">
+                <a:latin typeface="HY헤드라인M" panose="02030600000101010101" pitchFamily="18" charset="-127"/>
+                <a:ea typeface="HY헤드라인M" panose="02030600000101010101" pitchFamily="18" charset="-127"/>
+              </a:rPr>
+              <a:t>Yolo – detector.c ( test_detector )</a:t>
+            </a:r>
+            <a:endParaRPr lang="ko-KR" altLang="en-US" sz="2400">
+              <a:latin typeface="HY헤드라인M" panose="02030600000101010101" pitchFamily="18" charset="-127"/>
+              <a:ea typeface="HY헤드라인M" panose="02030600000101010101" pitchFamily="18" charset="-127"/>
+            </a:endParaRPr>
+          </a:p>
+        </p:txBody>
+      </p:sp>
+      <p:pic>
+        <p:nvPicPr>
+          <p:cNvPr id="2" name="그림 1"/>
+          <p:cNvPicPr>
+            <a:picLocks noChangeAspect="1"/>
+          </p:cNvPicPr>
+          <p:nvPr/>
+        </p:nvPicPr>
+        <p:blipFill>
+          <a:blip r:embed="rId2">
+            <a:extLst>
+              <a:ext uri="{28A0092B-C50C-407E-A947-70E740481C1C}">
+                <a14:useLocalDpi xmlns:a14="http://schemas.microsoft.com/office/drawing/2010/main" val="0"/>
+              </a:ext>
+            </a:extLst>
+          </a:blip>
+          <a:stretch>
+            <a:fillRect/>
+          </a:stretch>
+        </p:blipFill>
+        <p:spPr>
+          <a:xfrm>
+            <a:off x="194008" y="864523"/>
+            <a:ext cx="5491897" cy="5677593"/>
+          </a:xfrm>
+          <a:prstGeom prst="rect">
+            <a:avLst/>
+          </a:prstGeom>
+        </p:spPr>
+      </p:pic>
+    </p:spTree>
+    <p:extLst>
+      <p:ext uri="{BB962C8B-B14F-4D97-AF65-F5344CB8AC3E}">
+        <p14:creationId xmlns:p14="http://schemas.microsoft.com/office/powerpoint/2010/main" val="3436754358"/>
+      </p:ext>
+    </p:extLst>
+  </p:cSld>
+  <p:clrMapOvr>
+    <a:masterClrMapping/>
+  </p:clrMapOvr>
+  <p:timing>
+    <p:tnLst>
+      <p:par>
+        <p:cTn id="1" dur="indefinite" restart="never" nodeType="tmRoot"/>
+      </p:par>
+    </p:tnLst>
+  </p:timing>
+</p:sld>
+</file>
+
+<file path=ppt/slides/slide2.xml><?xml version="1.0" encoding="utf-8"?>
+<p:sld xmlns:a="http://schemas.openxmlformats.org/drawingml/2006/main" xmlns:r="http://schemas.openxmlformats.org/officeDocument/2006/relationships" xmlns:p="http://schemas.openxmlformats.org/presentationml/2006/main">
+  <p:cSld>
+    <p:spTree>
+      <p:nvGrpSpPr>
+        <p:cNvPr id="1" name=""/>
+        <p:cNvGrpSpPr/>
+        <p:nvPr/>
+      </p:nvGrpSpPr>
+      <p:grpSpPr>
+        <a:xfrm>
+          <a:off x="0" y="0"/>
+          <a:ext cx="0" cy="0"/>
+          <a:chOff x="0" y="0"/>
+          <a:chExt cx="0" cy="0"/>
+        </a:xfrm>
+      </p:grpSpPr>
+      <p:sp>
+        <p:nvSpPr>
+          <p:cNvPr id="6" name="TextBox 5"/>
+          <p:cNvSpPr txBox="1"/>
+          <p:nvPr/>
+        </p:nvSpPr>
+        <p:spPr>
+          <a:xfrm>
+            <a:off x="6288578" y="821347"/>
+            <a:ext cx="5162203" cy="1815882"/>
+          </a:xfrm>
+          <a:prstGeom prst="rect">
+            <a:avLst/>
+          </a:prstGeom>
+          <a:noFill/>
+        </p:spPr>
+        <p:txBody>
+          <a:bodyPr wrap="square" rtlCol="0">
+            <a:spAutoFit/>
+          </a:bodyPr>
+          <a:lstStyle/>
+          <a:p>
+            <a:pPr marL="342900" indent="-342900">
+              <a:buAutoNum type="arabicParenR"/>
+            </a:pPr>
+            <a:r>
+              <a:rPr lang="en-US" altLang="ko-KR" sz="1600" smtClean="0">
+                <a:solidFill>
+                  <a:srgbClr val="FF0000"/>
+                </a:solidFill>
+              </a:rPr>
+              <a:t>list *option = read_data_cfg(datacfg)</a:t>
+            </a:r>
+          </a:p>
+          <a:p>
+            <a:endParaRPr lang="en-US" altLang="ko-KR" sz="1600"/>
+          </a:p>
+          <a:p>
+            <a:r>
+              <a:rPr lang="en-US" altLang="ko-KR" sz="1600" smtClean="0"/>
+              <a:t>option_list header</a:t>
+            </a:r>
+            <a:r>
+              <a:rPr lang="ko-KR" altLang="en-US" sz="1600" smtClean="0"/>
+              <a:t>파일에 위치</a:t>
+            </a:r>
+            <a:r>
+              <a:rPr lang="en-US" altLang="ko-KR" sz="1600" smtClean="0"/>
+              <a:t>.</a:t>
+            </a:r>
+          </a:p>
+          <a:p>
+            <a:endParaRPr lang="en-US" altLang="ko-KR" sz="1600" smtClean="0"/>
+          </a:p>
+          <a:p>
+            <a:r>
+              <a:rPr lang="en-US" altLang="ko-KR" sz="1600" smtClean="0"/>
+              <a:t>datacfg </a:t>
+            </a:r>
+            <a:r>
+              <a:rPr lang="ko-KR" altLang="en-US" sz="1600" smtClean="0"/>
+              <a:t>파일을 읽어 들인다</a:t>
+            </a:r>
+            <a:r>
+              <a:rPr lang="en-US" altLang="ko-KR" sz="1600" smtClean="0"/>
+              <a:t>.</a:t>
+            </a:r>
+          </a:p>
+          <a:p>
+            <a:endParaRPr lang="en-US" altLang="ko-KR" sz="1600"/>
+          </a:p>
+          <a:p>
+            <a:r>
+              <a:rPr lang="en-US" altLang="ko-KR" sz="1600" smtClean="0"/>
+              <a:t>datacfg </a:t>
+            </a:r>
+            <a:r>
+              <a:rPr lang="ko-KR" altLang="en-US" sz="1600" smtClean="0"/>
+              <a:t>파일의 포맷은 다음과 같다</a:t>
+            </a:r>
+            <a:r>
+              <a:rPr lang="en-US" altLang="ko-KR" sz="1600" smtClean="0"/>
+              <a:t>.</a:t>
+            </a:r>
+          </a:p>
+        </p:txBody>
+      </p:sp>
+      <p:sp>
+        <p:nvSpPr>
+          <p:cNvPr id="7" name="TextBox 6"/>
+          <p:cNvSpPr txBox="1"/>
+          <p:nvPr/>
+        </p:nvSpPr>
+        <p:spPr>
+          <a:xfrm>
+            <a:off x="3441470" y="224444"/>
+            <a:ext cx="5370022" cy="461665"/>
+          </a:xfrm>
+          <a:prstGeom prst="rect">
+            <a:avLst/>
+          </a:prstGeom>
+          <a:noFill/>
+        </p:spPr>
+        <p:txBody>
+          <a:bodyPr wrap="square" rtlCol="0">
+            <a:spAutoFit/>
+          </a:bodyPr>
+          <a:lstStyle/>
+          <a:p>
+            <a:r>
+              <a:rPr lang="en-US" altLang="ko-KR" sz="2400" smtClean="0">
+                <a:latin typeface="HY헤드라인M" panose="02030600000101010101" pitchFamily="18" charset="-127"/>
+                <a:ea typeface="HY헤드라인M" panose="02030600000101010101" pitchFamily="18" charset="-127"/>
+              </a:rPr>
+              <a:t>Yolo – detector.c ( test_detector )</a:t>
+            </a:r>
+            <a:endParaRPr lang="ko-KR" altLang="en-US" sz="2400">
+              <a:latin typeface="HY헤드라인M" panose="02030600000101010101" pitchFamily="18" charset="-127"/>
+              <a:ea typeface="HY헤드라인M" panose="02030600000101010101" pitchFamily="18" charset="-127"/>
+            </a:endParaRPr>
+          </a:p>
+        </p:txBody>
+      </p:sp>
+      <p:pic>
+        <p:nvPicPr>
+          <p:cNvPr id="2" name="그림 1"/>
+          <p:cNvPicPr>
+            <a:picLocks noChangeAspect="1"/>
+          </p:cNvPicPr>
+          <p:nvPr/>
+        </p:nvPicPr>
+        <p:blipFill>
+          <a:blip r:embed="rId2">
+            <a:extLst>
+              <a:ext uri="{28A0092B-C50C-407E-A947-70E740481C1C}">
+                <a14:useLocalDpi xmlns:a14="http://schemas.microsoft.com/office/drawing/2010/main" val="0"/>
+              </a:ext>
+            </a:extLst>
+          </a:blip>
+          <a:stretch>
+            <a:fillRect/>
+          </a:stretch>
+        </p:blipFill>
+        <p:spPr>
+          <a:xfrm>
+            <a:off x="154480" y="822960"/>
+            <a:ext cx="5722618" cy="5256069"/>
+          </a:xfrm>
+          <a:prstGeom prst="rect">
+            <a:avLst/>
+          </a:prstGeom>
+        </p:spPr>
+      </p:pic>
+      <p:pic>
+        <p:nvPicPr>
+          <p:cNvPr id="3" name="그림 2"/>
+          <p:cNvPicPr>
+            <a:picLocks noChangeAspect="1"/>
+          </p:cNvPicPr>
+          <p:nvPr/>
+        </p:nvPicPr>
+        <p:blipFill>
+          <a:blip r:embed="rId3">
+            <a:extLst>
+              <a:ext uri="{28A0092B-C50C-407E-A947-70E740481C1C}">
+                <a14:useLocalDpi xmlns:a14="http://schemas.microsoft.com/office/drawing/2010/main" val="0"/>
+              </a:ext>
+            </a:extLst>
+          </a:blip>
+          <a:stretch>
+            <a:fillRect/>
+          </a:stretch>
+        </p:blipFill>
+        <p:spPr>
+          <a:xfrm>
+            <a:off x="7575579" y="2772467"/>
+            <a:ext cx="2809875" cy="1171199"/>
+          </a:xfrm>
+          <a:prstGeom prst="rect">
+            <a:avLst/>
+          </a:prstGeom>
+        </p:spPr>
+      </p:pic>
+      <p:sp>
+        <p:nvSpPr>
+          <p:cNvPr id="8" name="TextBox 7"/>
+          <p:cNvSpPr txBox="1"/>
+          <p:nvPr/>
+        </p:nvSpPr>
+        <p:spPr>
+          <a:xfrm>
+            <a:off x="6288578" y="4038954"/>
+            <a:ext cx="5465618" cy="2554545"/>
+          </a:xfrm>
+          <a:prstGeom prst="rect">
+            <a:avLst/>
+          </a:prstGeom>
+          <a:noFill/>
+        </p:spPr>
+        <p:txBody>
+          <a:bodyPr wrap="square" rtlCol="0">
+            <a:spAutoFit/>
+          </a:bodyPr>
+          <a:lstStyle/>
+          <a:p>
+            <a:r>
+              <a:rPr lang="ko-KR" altLang="en-US" sz="1600" smtClean="0"/>
+              <a:t>실제 트레이닝했던 파일의 </a:t>
+            </a:r>
+            <a:r>
+              <a:rPr lang="en-US" altLang="ko-KR" sz="1600" smtClean="0"/>
+              <a:t>datacfg</a:t>
+            </a:r>
+            <a:r>
+              <a:rPr lang="ko-KR" altLang="en-US" sz="1600" smtClean="0"/>
+              <a:t>파일이다</a:t>
+            </a:r>
+            <a:r>
+              <a:rPr lang="en-US" altLang="ko-KR" sz="1600" smtClean="0"/>
+              <a:t>.</a:t>
+            </a:r>
+          </a:p>
+          <a:p>
+            <a:r>
+              <a:rPr lang="ko-KR" altLang="en-US" sz="1600" smtClean="0"/>
+              <a:t>각각은 다음을 뜻한다</a:t>
+            </a:r>
+            <a:r>
+              <a:rPr lang="en-US" altLang="ko-KR" sz="1600" smtClean="0"/>
+              <a:t>.</a:t>
+            </a:r>
+          </a:p>
+          <a:p>
+            <a:endParaRPr lang="en-US" altLang="ko-KR" sz="1600" smtClean="0"/>
+          </a:p>
+          <a:p>
+            <a:r>
+              <a:rPr lang="en-US" altLang="ko-KR" sz="1600" b="1" smtClean="0"/>
+              <a:t>classes</a:t>
+            </a:r>
+            <a:r>
+              <a:rPr lang="en-US" altLang="ko-KR" sz="1600" smtClean="0"/>
+              <a:t> : object detection</a:t>
+            </a:r>
+            <a:r>
+              <a:rPr lang="ko-KR" altLang="en-US" sz="1600" smtClean="0"/>
+              <a:t>에서 인식할 </a:t>
+            </a:r>
+            <a:r>
+              <a:rPr lang="en-US" altLang="ko-KR" sz="1600" smtClean="0"/>
+              <a:t>class</a:t>
+            </a:r>
+            <a:r>
+              <a:rPr lang="ko-KR" altLang="en-US" sz="1600" smtClean="0"/>
+              <a:t>의 개수</a:t>
+            </a:r>
+            <a:endParaRPr lang="en-US" altLang="ko-KR" sz="1600" smtClean="0"/>
+          </a:p>
+          <a:p>
+            <a:r>
+              <a:rPr lang="en-US" altLang="ko-KR" sz="1600" b="1" smtClean="0"/>
+              <a:t>train</a:t>
+            </a:r>
+            <a:r>
+              <a:rPr lang="en-US" altLang="ko-KR" sz="1600" smtClean="0"/>
+              <a:t> : object detection</a:t>
+            </a:r>
+            <a:r>
+              <a:rPr lang="ko-KR" altLang="en-US" sz="1600" smtClean="0"/>
+              <a:t>에서 학습할 학습 데이터 위치를 가지고 있는 </a:t>
+            </a:r>
+            <a:r>
+              <a:rPr lang="en-US" altLang="ko-KR" sz="1600" smtClean="0"/>
+              <a:t>manifest </a:t>
+            </a:r>
+            <a:r>
+              <a:rPr lang="ko-KR" altLang="en-US" sz="1600" smtClean="0"/>
+              <a:t>파일</a:t>
+            </a:r>
+            <a:endParaRPr lang="en-US" altLang="ko-KR" sz="1600"/>
+          </a:p>
+          <a:p>
+            <a:r>
+              <a:rPr lang="en-US" altLang="ko-KR" sz="1600" b="1" smtClean="0"/>
+              <a:t>valid</a:t>
+            </a:r>
+            <a:r>
+              <a:rPr lang="en-US" altLang="ko-KR" sz="1600" smtClean="0"/>
+              <a:t> : object detectio</a:t>
+            </a:r>
+            <a:r>
+              <a:rPr lang="ko-KR" altLang="en-US" sz="1600" smtClean="0"/>
+              <a:t>에서 </a:t>
+            </a:r>
+            <a:r>
+              <a:rPr lang="en-US" altLang="ko-KR" sz="1600" smtClean="0"/>
+              <a:t>valdation </a:t>
+            </a:r>
+            <a:r>
+              <a:rPr lang="ko-KR" altLang="en-US" sz="1600" smtClean="0"/>
+              <a:t>데이터 위치를 가지고 있는 </a:t>
+            </a:r>
+            <a:r>
+              <a:rPr lang="en-US" altLang="ko-KR" sz="1600" smtClean="0"/>
+              <a:t>manifest </a:t>
+            </a:r>
+            <a:r>
+              <a:rPr lang="ko-KR" altLang="en-US" sz="1600" smtClean="0"/>
+              <a:t>파일</a:t>
+            </a:r>
+            <a:endParaRPr lang="en-US" altLang="ko-KR" sz="1600" smtClean="0"/>
+          </a:p>
+          <a:p>
+            <a:r>
+              <a:rPr lang="en-US" altLang="ko-KR" sz="1600" b="1" smtClean="0"/>
+              <a:t>names</a:t>
+            </a:r>
+            <a:r>
+              <a:rPr lang="en-US" altLang="ko-KR" sz="1600" smtClean="0"/>
+              <a:t> : class</a:t>
+            </a:r>
+            <a:r>
+              <a:rPr lang="ko-KR" altLang="en-US" sz="1600" smtClean="0"/>
+              <a:t>의 이름들을 가지고 있는 파일</a:t>
+            </a:r>
+            <a:endParaRPr lang="en-US" altLang="ko-KR" sz="1600" smtClean="0"/>
+          </a:p>
+          <a:p>
+            <a:r>
+              <a:rPr lang="en-US" altLang="ko-KR" sz="1600" b="1" smtClean="0"/>
+              <a:t>backup</a:t>
+            </a:r>
+            <a:r>
+              <a:rPr lang="en-US" altLang="ko-KR" sz="1600" smtClean="0"/>
+              <a:t> : weights</a:t>
+            </a:r>
+            <a:r>
+              <a:rPr lang="ko-KR" altLang="en-US" sz="1600" smtClean="0"/>
+              <a:t>파일을 저장할 위치</a:t>
+            </a:r>
+            <a:endParaRPr lang="en-US" altLang="ko-KR" sz="1600" smtClean="0"/>
+          </a:p>
+        </p:txBody>
+      </p:sp>
+    </p:spTree>
+    <p:extLst>
+      <p:ext uri="{BB962C8B-B14F-4D97-AF65-F5344CB8AC3E}">
+        <p14:creationId xmlns:p14="http://schemas.microsoft.com/office/powerpoint/2010/main" val="655108725"/>
+      </p:ext>
+    </p:extLst>
+  </p:cSld>
+  <p:clrMapOvr>
+    <a:masterClrMapping/>
+  </p:clrMapOvr>
+  <p:timing>
+    <p:tnLst>
+      <p:par>
+        <p:cTn id="1" dur="indefinite" restart="never" nodeType="tmRoot"/>
+      </p:par>
+    </p:tnLst>
+  </p:timing>
+</p:sld>
+</file>
+
+<file path=ppt/slides/slide3.xml><?xml version="1.0" encoding="utf-8"?>
+<p:sld xmlns:a="http://schemas.openxmlformats.org/drawingml/2006/main" xmlns:r="http://schemas.openxmlformats.org/officeDocument/2006/relationships" xmlns:p="http://schemas.openxmlformats.org/presentationml/2006/main">
+  <p:cSld>
+    <p:spTree>
+      <p:nvGrpSpPr>
+        <p:cNvPr id="1" name=""/>
+        <p:cNvGrpSpPr/>
+        <p:nvPr/>
+      </p:nvGrpSpPr>
+      <p:grpSpPr>
+        <a:xfrm>
+          <a:off x="0" y="0"/>
+          <a:ext cx="0" cy="0"/>
+          <a:chOff x="0" y="0"/>
+          <a:chExt cx="0" cy="0"/>
+        </a:xfrm>
+      </p:grpSpPr>
+      <p:sp>
+        <p:nvSpPr>
+          <p:cNvPr id="6" name="TextBox 5"/>
+          <p:cNvSpPr txBox="1"/>
+          <p:nvPr/>
+        </p:nvSpPr>
+        <p:spPr>
+          <a:xfrm>
+            <a:off x="365760" y="1286374"/>
+            <a:ext cx="5162203" cy="584775"/>
+          </a:xfrm>
+          <a:prstGeom prst="rect">
+            <a:avLst/>
+          </a:prstGeom>
+          <a:noFill/>
+        </p:spPr>
+        <p:txBody>
+          <a:bodyPr wrap="square" rtlCol="0">
+            <a:spAutoFit/>
+          </a:bodyPr>
+          <a:lstStyle/>
+          <a:p>
+            <a:r>
+              <a:rPr lang="en-US" altLang="ko-KR" sz="1600" smtClean="0"/>
+              <a:t>list.h</a:t>
+            </a:r>
+            <a:r>
+              <a:rPr lang="ko-KR" altLang="en-US" sz="1600" smtClean="0"/>
+              <a:t>의 </a:t>
+            </a:r>
+            <a:r>
+              <a:rPr lang="en-US" altLang="ko-KR" sz="1600" smtClean="0">
+                <a:solidFill>
+                  <a:srgbClr val="FF0000"/>
+                </a:solidFill>
+              </a:rPr>
+              <a:t>list </a:t>
+            </a:r>
+            <a:r>
+              <a:rPr lang="ko-KR" altLang="en-US" sz="1600" smtClean="0">
+                <a:solidFill>
+                  <a:srgbClr val="FF0000"/>
+                </a:solidFill>
+              </a:rPr>
+              <a:t>구조체</a:t>
+            </a:r>
+            <a:r>
+              <a:rPr lang="ko-KR" altLang="en-US" sz="1600" smtClean="0"/>
+              <a:t>는 다음과 같이 일반적인 </a:t>
+            </a:r>
+            <a:r>
+              <a:rPr lang="en-US" altLang="ko-KR" sz="1600" smtClean="0"/>
+              <a:t>linked list </a:t>
+            </a:r>
+            <a:r>
+              <a:rPr lang="ko-KR" altLang="en-US" sz="1600" smtClean="0"/>
+              <a:t>이다</a:t>
+            </a:r>
+            <a:r>
+              <a:rPr lang="en-US" altLang="ko-KR" sz="1600" smtClean="0"/>
+              <a:t>.</a:t>
+            </a:r>
+          </a:p>
+        </p:txBody>
+      </p:sp>
+      <p:sp>
+        <p:nvSpPr>
+          <p:cNvPr id="7" name="TextBox 6"/>
+          <p:cNvSpPr txBox="1"/>
+          <p:nvPr/>
+        </p:nvSpPr>
+        <p:spPr>
+          <a:xfrm>
+            <a:off x="3441470" y="224444"/>
+            <a:ext cx="5370022" cy="461665"/>
+          </a:xfrm>
+          <a:prstGeom prst="rect">
+            <a:avLst/>
+          </a:prstGeom>
+          <a:noFill/>
+        </p:spPr>
+        <p:txBody>
+          <a:bodyPr wrap="square" rtlCol="0">
+            <a:spAutoFit/>
+          </a:bodyPr>
+          <a:lstStyle/>
+          <a:p>
+            <a:r>
+              <a:rPr lang="en-US" altLang="ko-KR" sz="2400" smtClean="0">
+                <a:latin typeface="HY헤드라인M" panose="02030600000101010101" pitchFamily="18" charset="-127"/>
+                <a:ea typeface="HY헤드라인M" panose="02030600000101010101" pitchFamily="18" charset="-127"/>
+              </a:rPr>
+              <a:t>Yolo – detector.c ( test_detector )</a:t>
+            </a:r>
+            <a:endParaRPr lang="ko-KR" altLang="en-US" sz="2400">
+              <a:latin typeface="HY헤드라인M" panose="02030600000101010101" pitchFamily="18" charset="-127"/>
+              <a:ea typeface="HY헤드라인M" panose="02030600000101010101" pitchFamily="18" charset="-127"/>
+            </a:endParaRPr>
+          </a:p>
+        </p:txBody>
+      </p:sp>
+      <p:sp>
+        <p:nvSpPr>
+          <p:cNvPr id="8" name="TextBox 7"/>
+          <p:cNvSpPr txBox="1"/>
+          <p:nvPr/>
+        </p:nvSpPr>
+        <p:spPr>
+          <a:xfrm>
+            <a:off x="365760" y="3706444"/>
+            <a:ext cx="5465618" cy="1077218"/>
+          </a:xfrm>
+          <a:prstGeom prst="rect">
+            <a:avLst/>
+          </a:prstGeom>
+          <a:noFill/>
+        </p:spPr>
+        <p:txBody>
+          <a:bodyPr wrap="square" rtlCol="0">
+            <a:spAutoFit/>
+          </a:bodyPr>
+          <a:lstStyle/>
+          <a:p>
+            <a:r>
+              <a:rPr lang="ko-KR" altLang="en-US" sz="1600" smtClean="0"/>
+              <a:t>이 외에도 </a:t>
+            </a:r>
+            <a:r>
+              <a:rPr lang="en-US" altLang="ko-KR" sz="1600" smtClean="0"/>
+              <a:t>list</a:t>
+            </a:r>
+            <a:r>
+              <a:rPr lang="ko-KR" altLang="en-US" sz="1600" smtClean="0"/>
+              <a:t>와 관련된 함수를 제공한다</a:t>
+            </a:r>
+            <a:r>
+              <a:rPr lang="en-US" altLang="ko-KR" sz="1600" smtClean="0"/>
+              <a:t>.</a:t>
+            </a:r>
+          </a:p>
+          <a:p>
+            <a:endParaRPr lang="en-US" altLang="ko-KR" sz="1600" smtClean="0"/>
+          </a:p>
+          <a:p>
+            <a:r>
+              <a:rPr lang="en-US" altLang="ko-KR" sz="1600" smtClean="0"/>
+              <a:t>make_list, list_pop, ist_insert, free_node, free_list, free_list_contest, free_list_contents_kvp, list_to_array</a:t>
+            </a:r>
+          </a:p>
+        </p:txBody>
+      </p:sp>
+      <p:pic>
+        <p:nvPicPr>
+          <p:cNvPr id="4" name="그림 3"/>
+          <p:cNvPicPr>
+            <a:picLocks noChangeAspect="1"/>
+          </p:cNvPicPr>
+          <p:nvPr/>
+        </p:nvPicPr>
+        <p:blipFill>
+          <a:blip r:embed="rId2">
+            <a:extLst>
+              <a:ext uri="{28A0092B-C50C-407E-A947-70E740481C1C}">
+                <a14:useLocalDpi xmlns:a14="http://schemas.microsoft.com/office/drawing/2010/main" val="0"/>
+              </a:ext>
+            </a:extLst>
+          </a:blip>
+          <a:stretch>
+            <a:fillRect/>
+          </a:stretch>
+        </p:blipFill>
+        <p:spPr>
+          <a:xfrm>
+            <a:off x="1433684" y="2167523"/>
+            <a:ext cx="2790825" cy="885825"/>
+          </a:xfrm>
+          <a:prstGeom prst="rect">
+            <a:avLst/>
+          </a:prstGeom>
+        </p:spPr>
+      </p:pic>
+      <p:sp>
+        <p:nvSpPr>
+          <p:cNvPr id="9" name="TextBox 8"/>
+          <p:cNvSpPr txBox="1"/>
+          <p:nvPr/>
+        </p:nvSpPr>
+        <p:spPr>
+          <a:xfrm>
+            <a:off x="5993497" y="3683390"/>
+            <a:ext cx="5635989" cy="338554"/>
+          </a:xfrm>
+          <a:prstGeom prst="rect">
+            <a:avLst/>
+          </a:prstGeom>
+          <a:noFill/>
+        </p:spPr>
+        <p:txBody>
+          <a:bodyPr wrap="square" rtlCol="0">
+            <a:spAutoFit/>
+          </a:bodyPr>
+          <a:lstStyle/>
+          <a:p>
+            <a:r>
+              <a:rPr lang="en-US" altLang="ko-KR" sz="1600" smtClean="0">
+                <a:solidFill>
+                  <a:srgbClr val="FF0000"/>
+                </a:solidFill>
+              </a:rPr>
+              <a:t>list_to_array</a:t>
+            </a:r>
+            <a:r>
+              <a:rPr lang="en-US" altLang="ko-KR" sz="1600" smtClean="0"/>
+              <a:t> : list</a:t>
+            </a:r>
+            <a:r>
+              <a:rPr lang="ko-KR" altLang="en-US" sz="1600" smtClean="0"/>
+              <a:t>의 내용을 </a:t>
+            </a:r>
+            <a:r>
+              <a:rPr lang="en-US" altLang="ko-KR" sz="1600" smtClean="0"/>
+              <a:t>void</a:t>
+            </a:r>
+            <a:r>
+              <a:rPr lang="ko-KR" altLang="en-US" sz="1600" smtClean="0"/>
+              <a:t>형 이중포인터 </a:t>
+            </a:r>
+            <a:r>
+              <a:rPr lang="en-US" altLang="ko-KR" sz="1600" smtClean="0"/>
+              <a:t>a</a:t>
+            </a:r>
+            <a:r>
+              <a:rPr lang="ko-KR" altLang="en-US" sz="1600" smtClean="0"/>
+              <a:t>값에 담는다</a:t>
+            </a:r>
+            <a:endParaRPr lang="en-US" altLang="ko-KR" sz="1600" smtClean="0"/>
+          </a:p>
+        </p:txBody>
+      </p:sp>
+      <p:pic>
+        <p:nvPicPr>
+          <p:cNvPr id="10" name="그림 9"/>
+          <p:cNvPicPr>
+            <a:picLocks noChangeAspect="1"/>
+          </p:cNvPicPr>
+          <p:nvPr/>
+        </p:nvPicPr>
+        <p:blipFill>
+          <a:blip r:embed="rId3">
+            <a:extLst>
+              <a:ext uri="{28A0092B-C50C-407E-A947-70E740481C1C}">
+                <a14:useLocalDpi xmlns:a14="http://schemas.microsoft.com/office/drawing/2010/main" val="0"/>
+              </a:ext>
+            </a:extLst>
+          </a:blip>
+          <a:stretch>
+            <a:fillRect/>
+          </a:stretch>
+        </p:blipFill>
+        <p:spPr>
+          <a:xfrm>
+            <a:off x="6201468" y="1286374"/>
+            <a:ext cx="4972050" cy="1990725"/>
+          </a:xfrm>
+          <a:prstGeom prst="rect">
+            <a:avLst/>
+          </a:prstGeom>
+        </p:spPr>
+      </p:pic>
+    </p:spTree>
+    <p:extLst>
+      <p:ext uri="{BB962C8B-B14F-4D97-AF65-F5344CB8AC3E}">
+        <p14:creationId xmlns:p14="http://schemas.microsoft.com/office/powerpoint/2010/main" val="2722773230"/>
+      </p:ext>
+    </p:extLst>
+  </p:cSld>
+  <p:clrMapOvr>
+    <a:masterClrMapping/>
+  </p:clrMapOvr>
+  <p:timing>
+    <p:tnLst>
+      <p:par>
+        <p:cTn id="1" dur="indefinite" restart="never" nodeType="tmRoot"/>
+      </p:par>
+    </p:tnLst>
+  </p:timing>
+</p:sld>
+</file>
+
+<file path=ppt/slides/slide4.xml><?xml version="1.0" encoding="utf-8"?>
+<p:sld xmlns:a="http://schemas.openxmlformats.org/drawingml/2006/main" xmlns:r="http://schemas.openxmlformats.org/officeDocument/2006/relationships" xmlns:p="http://schemas.openxmlformats.org/presentationml/2006/main">
+  <p:cSld>
+    <p:spTree>
+      <p:nvGrpSpPr>
+        <p:cNvPr id="1" name=""/>
+        <p:cNvGrpSpPr/>
+        <p:nvPr/>
+      </p:nvGrpSpPr>
+      <p:grpSpPr>
+        <a:xfrm>
+          <a:off x="0" y="0"/>
+          <a:ext cx="0" cy="0"/>
+          <a:chOff x="0" y="0"/>
+          <a:chExt cx="0" cy="0"/>
+        </a:xfrm>
+      </p:grpSpPr>
+      <p:sp>
+        <p:nvSpPr>
+          <p:cNvPr id="6" name="TextBox 5"/>
+          <p:cNvSpPr txBox="1"/>
+          <p:nvPr/>
+        </p:nvSpPr>
+        <p:spPr>
+          <a:xfrm>
+            <a:off x="6305203" y="686109"/>
+            <a:ext cx="5162203" cy="6001643"/>
+          </a:xfrm>
+          <a:prstGeom prst="rect">
+            <a:avLst/>
+          </a:prstGeom>
+          <a:noFill/>
+        </p:spPr>
+        <p:txBody>
+          <a:bodyPr wrap="square" rtlCol="0">
+            <a:spAutoFit/>
+          </a:bodyPr>
+          <a:lstStyle/>
+          <a:p>
+            <a:pPr marL="342900" indent="-342900">
+              <a:buAutoNum type="arabicParenR"/>
+            </a:pPr>
+            <a:r>
+              <a:rPr lang="en-US" altLang="ko-KR" sz="1600" smtClean="0">
+                <a:solidFill>
+                  <a:srgbClr val="FF0000"/>
+                </a:solidFill>
+              </a:rPr>
+              <a:t>list *option = read_data_cfg(datacfg)</a:t>
+            </a:r>
+          </a:p>
+          <a:p>
+            <a:endParaRPr lang="en-US" altLang="ko-KR" sz="1600" smtClean="0"/>
+          </a:p>
+          <a:p>
+            <a:r>
+              <a:rPr lang="en-US" altLang="ko-KR" sz="1600" smtClean="0"/>
+              <a:t>cfg</a:t>
+            </a:r>
+            <a:r>
+              <a:rPr lang="ko-KR" altLang="en-US" sz="1600" smtClean="0"/>
+              <a:t>파일을 읽는다</a:t>
+            </a:r>
+            <a:r>
+              <a:rPr lang="en-US" altLang="ko-KR" sz="1600" smtClean="0"/>
+              <a:t>.</a:t>
+            </a:r>
+          </a:p>
+          <a:p>
+            <a:r>
+              <a:rPr lang="en-US" altLang="ko-KR" sz="1600" smtClean="0"/>
+              <a:t>file_error </a:t>
+            </a:r>
+            <a:r>
+              <a:rPr lang="ko-KR" altLang="en-US" sz="1600" smtClean="0"/>
+              <a:t>메소드를 통해 에러를 확인</a:t>
+            </a:r>
+            <a:endParaRPr lang="en-US" altLang="ko-KR" sz="1600" smtClean="0"/>
+          </a:p>
+          <a:p>
+            <a:r>
+              <a:rPr lang="ko-KR" altLang="en-US" sz="1600" smtClean="0"/>
+              <a:t>한줄 씩 읽어들일 </a:t>
+            </a:r>
+            <a:r>
+              <a:rPr lang="en-US" altLang="ko-KR" sz="1600" smtClean="0"/>
+              <a:t>char </a:t>
+            </a:r>
+            <a:r>
+              <a:rPr lang="ko-KR" altLang="en-US" sz="1600" smtClean="0"/>
+              <a:t>포인터 </a:t>
+            </a:r>
+            <a:r>
+              <a:rPr lang="en-US" altLang="ko-KR" sz="1600" smtClean="0"/>
+              <a:t>line</a:t>
+            </a:r>
+            <a:r>
+              <a:rPr lang="ko-KR" altLang="en-US" sz="1600" smtClean="0"/>
+              <a:t>을 생성</a:t>
+            </a:r>
+            <a:endParaRPr lang="en-US" altLang="ko-KR" sz="1600" smtClean="0"/>
+          </a:p>
+          <a:p>
+            <a:r>
+              <a:rPr lang="en-US" altLang="ko-KR" sz="1600" smtClean="0"/>
+              <a:t>int</a:t>
+            </a:r>
+            <a:r>
+              <a:rPr lang="ko-KR" altLang="en-US" sz="1600" smtClean="0"/>
+              <a:t>형 변수 </a:t>
+            </a:r>
+            <a:r>
+              <a:rPr lang="en-US" altLang="ko-KR" sz="1600" smtClean="0"/>
+              <a:t>nu</a:t>
+            </a:r>
+            <a:r>
+              <a:rPr lang="ko-KR" altLang="en-US" sz="1600" smtClean="0"/>
+              <a:t>를 선언</a:t>
+            </a:r>
+            <a:r>
+              <a:rPr lang="en-US" altLang="ko-KR" sz="1600" smtClean="0"/>
+              <a:t>.</a:t>
+            </a:r>
+          </a:p>
+          <a:p>
+            <a:r>
+              <a:rPr lang="en-US" altLang="ko-KR" sz="1600" smtClean="0"/>
+              <a:t>options</a:t>
+            </a:r>
+            <a:r>
+              <a:rPr lang="ko-KR" altLang="en-US" sz="1600" smtClean="0"/>
+              <a:t>라는 리스트 구조체 포인터를 만들고 초기화</a:t>
+            </a:r>
+            <a:endParaRPr lang="en-US" altLang="ko-KR" sz="1600" smtClean="0"/>
+          </a:p>
+          <a:p>
+            <a:endParaRPr lang="en-US" altLang="ko-KR" sz="1600" smtClean="0"/>
+          </a:p>
+          <a:p>
+            <a:r>
+              <a:rPr lang="ko-KR" altLang="en-US" sz="1600" smtClean="0"/>
+              <a:t>파일을 모두 읽어들일 때까지 순회를 돈다</a:t>
+            </a:r>
+            <a:r>
+              <a:rPr lang="en-US" altLang="ko-KR" sz="1600" smtClean="0"/>
+              <a:t>.(while</a:t>
+            </a:r>
+            <a:r>
+              <a:rPr lang="ko-KR" altLang="en-US" sz="1600" smtClean="0"/>
+              <a:t>문</a:t>
+            </a:r>
+            <a:r>
+              <a:rPr lang="en-US" altLang="ko-KR" sz="1600" smtClean="0"/>
+              <a:t>)</a:t>
+            </a:r>
+          </a:p>
+          <a:p>
+            <a:pPr marL="285750" indent="-285750">
+              <a:buFontTx/>
+              <a:buChar char="-"/>
+            </a:pPr>
+            <a:r>
+              <a:rPr lang="en-US" altLang="ko-KR" sz="1600" smtClean="0"/>
+              <a:t>fgetl </a:t>
+            </a:r>
+            <a:r>
+              <a:rPr lang="ko-KR" altLang="en-US" sz="1600" smtClean="0"/>
+              <a:t>메소드를 이용하여 </a:t>
+            </a:r>
+            <a:r>
+              <a:rPr lang="en-US" altLang="ko-KR" sz="1600" smtClean="0"/>
+              <a:t>file</a:t>
+            </a:r>
+            <a:r>
+              <a:rPr lang="ko-KR" altLang="en-US" sz="1600" smtClean="0"/>
+              <a:t>을 읽고 해당 리턴값을 </a:t>
+            </a:r>
+            <a:r>
+              <a:rPr lang="en-US" altLang="ko-KR" sz="1600" smtClean="0"/>
+              <a:t>line</a:t>
+            </a:r>
+            <a:r>
+              <a:rPr lang="ko-KR" altLang="en-US" sz="1600" smtClean="0"/>
+              <a:t>에 넣어주고 </a:t>
+            </a:r>
+            <a:r>
+              <a:rPr lang="en-US" altLang="ko-KR" sz="1600" smtClean="0"/>
+              <a:t>validation</a:t>
+            </a:r>
+            <a:r>
+              <a:rPr lang="ko-KR" altLang="en-US" sz="1600" smtClean="0"/>
+              <a:t>을 확인</a:t>
+            </a:r>
+            <a:endParaRPr lang="en-US" altLang="ko-KR" sz="1600" smtClean="0"/>
+          </a:p>
+          <a:p>
+            <a:pPr marL="285750" indent="-285750">
+              <a:buFontTx/>
+              <a:buChar char="-"/>
+            </a:pPr>
+            <a:r>
+              <a:rPr lang="en-US" altLang="ko-KR" sz="1600" smtClean="0"/>
+              <a:t>nu </a:t>
+            </a:r>
+            <a:r>
+              <a:rPr lang="ko-KR" altLang="en-US" sz="1600" smtClean="0"/>
+              <a:t>값 증가</a:t>
+            </a:r>
+            <a:endParaRPr lang="en-US" altLang="ko-KR" sz="1600" smtClean="0"/>
+          </a:p>
+          <a:p>
+            <a:pPr marL="285750" indent="-285750">
+              <a:buFontTx/>
+              <a:buChar char="-"/>
+            </a:pPr>
+            <a:r>
+              <a:rPr lang="en-US" altLang="ko-KR" sz="1600" smtClean="0"/>
+              <a:t>strip : ‘ ‘, ‘\t’, ‘\n’, ‘\r’</a:t>
+            </a:r>
+            <a:r>
+              <a:rPr lang="ko-KR" altLang="en-US" sz="1600" smtClean="0"/>
+              <a:t>을 없애준다</a:t>
+            </a:r>
+            <a:r>
+              <a:rPr lang="en-US" altLang="ko-KR" sz="1600" smtClean="0"/>
+              <a:t>.</a:t>
+            </a:r>
+          </a:p>
+          <a:p>
+            <a:pPr marL="285750" indent="-285750">
+              <a:buFontTx/>
+              <a:buChar char="-"/>
+            </a:pPr>
+            <a:r>
+              <a:rPr lang="en-US" altLang="ko-KR" sz="1600" smtClean="0"/>
+              <a:t>strip </a:t>
+            </a:r>
+            <a:r>
+              <a:rPr lang="ko-KR" altLang="en-US" sz="1600" smtClean="0"/>
+              <a:t>메소드 </a:t>
+            </a:r>
+            <a:r>
+              <a:rPr lang="en-US" altLang="ko-KR" sz="1600" smtClean="0"/>
+              <a:t>line</a:t>
+            </a:r>
+            <a:r>
+              <a:rPr lang="ko-KR" altLang="en-US" sz="1600" smtClean="0"/>
+              <a:t>에 적용한다</a:t>
+            </a:r>
+            <a:r>
+              <a:rPr lang="en-US" altLang="ko-KR" sz="1600" smtClean="0"/>
+              <a:t>.</a:t>
+            </a:r>
+          </a:p>
+          <a:p>
+            <a:pPr marL="285750" indent="-285750">
+              <a:buFontTx/>
+              <a:buChar char="-"/>
+            </a:pPr>
+            <a:r>
+              <a:rPr lang="ko-KR" altLang="en-US" sz="1600" smtClean="0"/>
+              <a:t>주석에 대한 내용이나</a:t>
+            </a:r>
+            <a:r>
+              <a:rPr lang="en-US" altLang="ko-KR" sz="1600" smtClean="0"/>
+              <a:t>, </a:t>
+            </a:r>
+            <a:r>
+              <a:rPr lang="ko-KR" altLang="en-US" sz="1600" smtClean="0"/>
+              <a:t>파일의 끝을 확인하기 위해 해당 </a:t>
+            </a:r>
+            <a:r>
+              <a:rPr lang="en-US" altLang="ko-KR" sz="1600" smtClean="0"/>
+              <a:t>line</a:t>
+            </a:r>
+            <a:r>
+              <a:rPr lang="ko-KR" altLang="en-US" sz="1600" smtClean="0"/>
+              <a:t>의 첫글자에 대한 체크</a:t>
+            </a:r>
+            <a:r>
+              <a:rPr lang="en-US" altLang="ko-KR" sz="1600" smtClean="0"/>
+              <a:t>.</a:t>
+            </a:r>
+          </a:p>
+          <a:p>
+            <a:pPr marL="285750" indent="-285750">
+              <a:buFontTx/>
+              <a:buChar char="-"/>
+            </a:pPr>
+            <a:r>
+              <a:rPr lang="ko-KR" altLang="en-US" sz="1600" smtClean="0"/>
+              <a:t>첫글자가 </a:t>
+            </a:r>
+            <a:r>
+              <a:rPr lang="en-US" altLang="ko-KR" sz="1600" smtClean="0"/>
+              <a:t>‘\0’, ‘#’, ‘;’</a:t>
+            </a:r>
+            <a:r>
+              <a:rPr lang="ko-KR" altLang="en-US" sz="1600" smtClean="0"/>
+              <a:t>이면 해당 </a:t>
+            </a:r>
+            <a:r>
+              <a:rPr lang="en-US" altLang="ko-KR" sz="1600" smtClean="0"/>
+              <a:t>line</a:t>
+            </a:r>
+            <a:r>
+              <a:rPr lang="ko-KR" altLang="en-US" sz="1600" smtClean="0"/>
+              <a:t>을 동적 해제 후 넘어 간다</a:t>
+            </a:r>
+            <a:r>
+              <a:rPr lang="en-US" altLang="ko-KR" sz="1600" smtClean="0"/>
+              <a:t>.</a:t>
+            </a:r>
+          </a:p>
+          <a:p>
+            <a:pPr marL="285750" indent="-285750">
+              <a:buFontTx/>
+              <a:buChar char="-"/>
+            </a:pPr>
+            <a:r>
+              <a:rPr lang="ko-KR" altLang="en-US" sz="1600" smtClean="0"/>
+              <a:t>기본적으로 </a:t>
+            </a:r>
+            <a:r>
+              <a:rPr lang="en-US" altLang="ko-KR" sz="1600" smtClean="0"/>
+              <a:t>read_option </a:t>
+            </a:r>
+            <a:r>
+              <a:rPr lang="ko-KR" altLang="en-US" sz="1600" smtClean="0"/>
+              <a:t>메소드에 </a:t>
+            </a:r>
+            <a:r>
+              <a:rPr lang="en-US" altLang="ko-KR" sz="1600" smtClean="0"/>
+              <a:t>list </a:t>
+            </a:r>
+            <a:r>
+              <a:rPr lang="ko-KR" altLang="en-US" sz="1600" smtClean="0"/>
+              <a:t>구조체 포인터 </a:t>
+            </a:r>
+            <a:r>
+              <a:rPr lang="en-US" altLang="ko-KR" sz="1600" smtClean="0"/>
+              <a:t>options</a:t>
+            </a:r>
+            <a:r>
+              <a:rPr lang="ko-KR" altLang="en-US" sz="1600" smtClean="0"/>
+              <a:t>와 해당 </a:t>
+            </a:r>
+            <a:r>
+              <a:rPr lang="en-US" altLang="ko-KR" sz="1600" smtClean="0"/>
+              <a:t>line</a:t>
+            </a:r>
+            <a:r>
+              <a:rPr lang="ko-KR" altLang="en-US" sz="1600" smtClean="0"/>
+              <a:t>을 파라미터로 넣어주고 </a:t>
+            </a:r>
+            <a:r>
+              <a:rPr lang="en-US" altLang="ko-KR" sz="1600" smtClean="0"/>
+              <a:t>options </a:t>
+            </a:r>
+            <a:r>
+              <a:rPr lang="ko-KR" altLang="en-US" sz="1600" smtClean="0"/>
+              <a:t>값을 읽어들인다</a:t>
+            </a:r>
+            <a:r>
+              <a:rPr lang="en-US" altLang="ko-KR" sz="1600" smtClean="0"/>
+              <a:t>.</a:t>
+            </a:r>
+            <a:endParaRPr lang="en-US" altLang="ko-KR" sz="1600"/>
+          </a:p>
+          <a:p>
+            <a:pPr marL="285750" indent="-285750">
+              <a:buFontTx/>
+              <a:buChar char="-"/>
+            </a:pPr>
+            <a:endParaRPr lang="en-US" altLang="ko-KR" sz="1600" smtClean="0"/>
+          </a:p>
+          <a:p>
+            <a:r>
+              <a:rPr lang="ko-KR" altLang="en-US" sz="1600" smtClean="0"/>
+              <a:t>파일을 모두 다 읽으면 </a:t>
+            </a:r>
+            <a:r>
+              <a:rPr lang="en-US" altLang="ko-KR" sz="1600" smtClean="0"/>
+              <a:t>file</a:t>
+            </a:r>
+            <a:r>
+              <a:rPr lang="ko-KR" altLang="en-US" sz="1600" smtClean="0"/>
+              <a:t>을 닫고 옵션값을 모두 읽은 </a:t>
+            </a:r>
+            <a:r>
+              <a:rPr lang="en-US" altLang="ko-KR" sz="1600" smtClean="0"/>
+              <a:t>list </a:t>
+            </a:r>
+            <a:r>
+              <a:rPr lang="ko-KR" altLang="en-US" sz="1600" smtClean="0"/>
+              <a:t>구조체 </a:t>
+            </a:r>
+            <a:r>
+              <a:rPr lang="en-US" altLang="ko-KR" sz="1600" smtClean="0"/>
+              <a:t>options</a:t>
+            </a:r>
+            <a:r>
+              <a:rPr lang="ko-KR" altLang="en-US" sz="1600" smtClean="0"/>
+              <a:t>를 반환</a:t>
+            </a:r>
+            <a:r>
+              <a:rPr lang="en-US" altLang="ko-KR" sz="1600" smtClean="0"/>
+              <a:t>.</a:t>
+            </a:r>
+          </a:p>
+        </p:txBody>
+      </p:sp>
+      <p:sp>
+        <p:nvSpPr>
+          <p:cNvPr id="7" name="TextBox 6"/>
+          <p:cNvSpPr txBox="1"/>
+          <p:nvPr/>
+        </p:nvSpPr>
+        <p:spPr>
+          <a:xfrm>
+            <a:off x="3441470" y="224444"/>
+            <a:ext cx="5370022" cy="461665"/>
+          </a:xfrm>
+          <a:prstGeom prst="rect">
+            <a:avLst/>
+          </a:prstGeom>
+          <a:noFill/>
+        </p:spPr>
+        <p:txBody>
+          <a:bodyPr wrap="square" rtlCol="0">
+            <a:spAutoFit/>
+          </a:bodyPr>
+          <a:lstStyle/>
+          <a:p>
+            <a:r>
+              <a:rPr lang="en-US" altLang="ko-KR" sz="2400" smtClean="0">
+                <a:latin typeface="HY헤드라인M" panose="02030600000101010101" pitchFamily="18" charset="-127"/>
+                <a:ea typeface="HY헤드라인M" panose="02030600000101010101" pitchFamily="18" charset="-127"/>
+              </a:rPr>
+              <a:t>Yolo – detector.c ( test_detector )</a:t>
+            </a:r>
+            <a:endParaRPr lang="ko-KR" altLang="en-US" sz="2400">
+              <a:latin typeface="HY헤드라인M" panose="02030600000101010101" pitchFamily="18" charset="-127"/>
+              <a:ea typeface="HY헤드라인M" panose="02030600000101010101" pitchFamily="18" charset="-127"/>
+            </a:endParaRPr>
+          </a:p>
+        </p:txBody>
+      </p:sp>
+      <p:pic>
+        <p:nvPicPr>
+          <p:cNvPr id="2" name="그림 1"/>
+          <p:cNvPicPr>
+            <a:picLocks noChangeAspect="1"/>
+          </p:cNvPicPr>
+          <p:nvPr/>
+        </p:nvPicPr>
+        <p:blipFill>
+          <a:blip r:embed="rId2">
+            <a:extLst>
+              <a:ext uri="{28A0092B-C50C-407E-A947-70E740481C1C}">
+                <a14:useLocalDpi xmlns:a14="http://schemas.microsoft.com/office/drawing/2010/main" val="0"/>
+              </a:ext>
+            </a:extLst>
+          </a:blip>
+          <a:stretch>
+            <a:fillRect/>
+          </a:stretch>
+        </p:blipFill>
+        <p:spPr>
+          <a:xfrm>
+            <a:off x="154480" y="822960"/>
+            <a:ext cx="5722618" cy="5256069"/>
+          </a:xfrm>
+          <a:prstGeom prst="rect">
+            <a:avLst/>
+          </a:prstGeom>
+        </p:spPr>
+      </p:pic>
+    </p:spTree>
+    <p:extLst>
+      <p:ext uri="{BB962C8B-B14F-4D97-AF65-F5344CB8AC3E}">
+        <p14:creationId xmlns:p14="http://schemas.microsoft.com/office/powerpoint/2010/main" val="2034217111"/>
+      </p:ext>
+    </p:extLst>
+  </p:cSld>
+  <p:clrMapOvr>
+    <a:masterClrMapping/>
+  </p:clrMapOvr>
+  <p:timing>
+    <p:tnLst>
+      <p:par>
+        <p:cTn id="1" dur="indefinite" restart="never" nodeType="tmRoot"/>
+      </p:par>
+    </p:tnLst>
+  </p:timing>
+</p:sld>
+</file>
+
+<file path=ppt/slides/slide5.xml><?xml version="1.0" encoding="utf-8"?>
+<p:sld xmlns:a="http://schemas.openxmlformats.org/drawingml/2006/main" xmlns:r="http://schemas.openxmlformats.org/officeDocument/2006/relationships" xmlns:p="http://schemas.openxmlformats.org/presentationml/2006/main">
+  <p:cSld>
+    <p:spTree>
+      <p:nvGrpSpPr>
+        <p:cNvPr id="1" name=""/>
+        <p:cNvGrpSpPr/>
+        <p:nvPr/>
+      </p:nvGrpSpPr>
+      <p:grpSpPr>
+        <a:xfrm>
+          <a:off x="0" y="0"/>
+          <a:ext cx="0" cy="0"/>
+          <a:chOff x="0" y="0"/>
+          <a:chExt cx="0" cy="0"/>
+        </a:xfrm>
+      </p:grpSpPr>
+      <p:sp>
+        <p:nvSpPr>
+          <p:cNvPr id="6" name="TextBox 5"/>
+          <p:cNvSpPr txBox="1"/>
+          <p:nvPr/>
+        </p:nvSpPr>
+        <p:spPr>
+          <a:xfrm>
+            <a:off x="166255" y="6054090"/>
+            <a:ext cx="5203768" cy="369332"/>
+          </a:xfrm>
+          <a:prstGeom prst="rect">
+            <a:avLst/>
+          </a:prstGeom>
+          <a:noFill/>
+        </p:spPr>
+        <p:txBody>
+          <a:bodyPr wrap="square" rtlCol="0">
+            <a:spAutoFit/>
+          </a:bodyPr>
+          <a:lstStyle/>
+          <a:p>
+            <a:r>
+              <a:rPr lang="en-US" altLang="ko-KR" smtClean="0"/>
+              <a:t> - </a:t>
+            </a:r>
+            <a:r>
+              <a:rPr lang="en-US" altLang="ko-KR" smtClean="0">
+                <a:solidFill>
+                  <a:srgbClr val="FF0000"/>
+                </a:solidFill>
+              </a:rPr>
+              <a:t>fgetl</a:t>
+            </a:r>
+            <a:r>
+              <a:rPr lang="en-US" altLang="ko-KR" smtClean="0"/>
+              <a:t> : </a:t>
+            </a:r>
+            <a:r>
+              <a:rPr lang="ko-KR" altLang="en-US" smtClean="0"/>
+              <a:t>파일을 읽고 읽은 내용을 돌려주는 함수</a:t>
+            </a:r>
+            <a:endParaRPr lang="en-US" altLang="ko-KR"/>
+          </a:p>
+        </p:txBody>
+      </p:sp>
+      <p:sp>
+        <p:nvSpPr>
+          <p:cNvPr id="7" name="TextBox 6"/>
+          <p:cNvSpPr txBox="1"/>
+          <p:nvPr/>
+        </p:nvSpPr>
+        <p:spPr>
+          <a:xfrm>
+            <a:off x="3441470" y="224444"/>
+            <a:ext cx="5370022" cy="461665"/>
+          </a:xfrm>
+          <a:prstGeom prst="rect">
+            <a:avLst/>
+          </a:prstGeom>
+          <a:noFill/>
+        </p:spPr>
+        <p:txBody>
+          <a:bodyPr wrap="square" rtlCol="0">
+            <a:spAutoFit/>
+          </a:bodyPr>
+          <a:lstStyle/>
+          <a:p>
+            <a:r>
+              <a:rPr lang="en-US" altLang="ko-KR" sz="2400" smtClean="0">
+                <a:latin typeface="HY헤드라인M" panose="02030600000101010101" pitchFamily="18" charset="-127"/>
+                <a:ea typeface="HY헤드라인M" panose="02030600000101010101" pitchFamily="18" charset="-127"/>
+              </a:rPr>
+              <a:t>Yolo – detector.c ( test_detector )</a:t>
+            </a:r>
+            <a:endParaRPr lang="ko-KR" altLang="en-US" sz="2400">
+              <a:latin typeface="HY헤드라인M" panose="02030600000101010101" pitchFamily="18" charset="-127"/>
+              <a:ea typeface="HY헤드라인M" panose="02030600000101010101" pitchFamily="18" charset="-127"/>
+            </a:endParaRPr>
+          </a:p>
+        </p:txBody>
+      </p:sp>
+      <p:pic>
+        <p:nvPicPr>
+          <p:cNvPr id="3" name="그림 2"/>
+          <p:cNvPicPr>
+            <a:picLocks noChangeAspect="1"/>
+          </p:cNvPicPr>
+          <p:nvPr/>
+        </p:nvPicPr>
+        <p:blipFill>
+          <a:blip r:embed="rId2">
+            <a:extLst>
+              <a:ext uri="{28A0092B-C50C-407E-A947-70E740481C1C}">
+                <a14:useLocalDpi xmlns:a14="http://schemas.microsoft.com/office/drawing/2010/main" val="0"/>
+              </a:ext>
+            </a:extLst>
+          </a:blip>
+          <a:stretch>
+            <a:fillRect/>
+          </a:stretch>
+        </p:blipFill>
+        <p:spPr>
+          <a:xfrm>
+            <a:off x="597650" y="986790"/>
+            <a:ext cx="4629150" cy="5067300"/>
+          </a:xfrm>
+          <a:prstGeom prst="rect">
+            <a:avLst/>
+          </a:prstGeom>
+        </p:spPr>
+      </p:pic>
+      <p:pic>
+        <p:nvPicPr>
+          <p:cNvPr id="4" name="그림 3"/>
+          <p:cNvPicPr>
+            <a:picLocks noChangeAspect="1"/>
+          </p:cNvPicPr>
+          <p:nvPr/>
+        </p:nvPicPr>
+        <p:blipFill>
+          <a:blip r:embed="rId3">
+            <a:extLst>
+              <a:ext uri="{28A0092B-C50C-407E-A947-70E740481C1C}">
+                <a14:useLocalDpi xmlns:a14="http://schemas.microsoft.com/office/drawing/2010/main" val="0"/>
+              </a:ext>
+            </a:extLst>
+          </a:blip>
+          <a:stretch>
+            <a:fillRect/>
+          </a:stretch>
+        </p:blipFill>
+        <p:spPr>
+          <a:xfrm>
+            <a:off x="7301779" y="986790"/>
+            <a:ext cx="3019425" cy="2476500"/>
+          </a:xfrm>
+          <a:prstGeom prst="rect">
+            <a:avLst/>
+          </a:prstGeom>
+        </p:spPr>
+      </p:pic>
+      <p:sp>
+        <p:nvSpPr>
+          <p:cNvPr id="8" name="TextBox 7"/>
+          <p:cNvSpPr txBox="1"/>
+          <p:nvPr/>
+        </p:nvSpPr>
+        <p:spPr>
+          <a:xfrm>
+            <a:off x="6445135" y="3986992"/>
+            <a:ext cx="5203768" cy="646331"/>
+          </a:xfrm>
+          <a:prstGeom prst="rect">
+            <a:avLst/>
+          </a:prstGeom>
+          <a:noFill/>
+        </p:spPr>
+        <p:txBody>
+          <a:bodyPr wrap="square" rtlCol="0">
+            <a:spAutoFit/>
+          </a:bodyPr>
+          <a:lstStyle/>
+          <a:p>
+            <a:r>
+              <a:rPr lang="en-US" altLang="ko-KR" smtClean="0"/>
+              <a:t> - </a:t>
+            </a:r>
+            <a:r>
+              <a:rPr lang="en-US" altLang="ko-KR" smtClean="0">
+                <a:solidFill>
+                  <a:srgbClr val="FF0000"/>
+                </a:solidFill>
+              </a:rPr>
+              <a:t>read_option</a:t>
+            </a:r>
+            <a:r>
+              <a:rPr lang="en-US" altLang="ko-KR" smtClean="0"/>
+              <a:t> : cfg</a:t>
+            </a:r>
+            <a:r>
+              <a:rPr lang="ko-KR" altLang="en-US" smtClean="0"/>
+              <a:t>의 옵션들을 분리하여 읽어들이는 함수</a:t>
+            </a:r>
+            <a:endParaRPr lang="en-US" altLang="ko-KR" smtClean="0"/>
+          </a:p>
+        </p:txBody>
+      </p:sp>
+    </p:spTree>
+    <p:extLst>
+      <p:ext uri="{BB962C8B-B14F-4D97-AF65-F5344CB8AC3E}">
+        <p14:creationId xmlns:p14="http://schemas.microsoft.com/office/powerpoint/2010/main" val="4026702034"/>
+      </p:ext>
+    </p:extLst>
+  </p:cSld>
+  <p:clrMapOvr>
+    <a:masterClrMapping/>
+  </p:clrMapOvr>
+  <p:timing>
+    <p:tnLst>
+      <p:par>
+        <p:cTn id="1" dur="indefinite" restart="never" nodeType="tmRoot"/>
+      </p:par>
+    </p:tnLst>
+  </p:timing>
+</p:sld>
+</file>
+
+<file path=ppt/slides/slide6.xml><?xml version="1.0" encoding="utf-8"?>
+<p:sld xmlns:a="http://schemas.openxmlformats.org/drawingml/2006/main" xmlns:r="http://schemas.openxmlformats.org/officeDocument/2006/relationships" xmlns:p="http://schemas.openxmlformats.org/presentationml/2006/main">
+  <p:cSld>
+    <p:spTree>
+      <p:nvGrpSpPr>
+        <p:cNvPr id="1" name=""/>
+        <p:cNvGrpSpPr/>
+        <p:nvPr/>
+      </p:nvGrpSpPr>
+      <p:grpSpPr>
+        <a:xfrm>
+          <a:off x="0" y="0"/>
+          <a:ext cx="0" cy="0"/>
+          <a:chOff x="0" y="0"/>
+          <a:chExt cx="0" cy="0"/>
+        </a:xfrm>
+      </p:grpSpPr>
+      <p:sp>
+        <p:nvSpPr>
+          <p:cNvPr id="6" name="TextBox 5"/>
+          <p:cNvSpPr txBox="1"/>
+          <p:nvPr/>
+        </p:nvSpPr>
+        <p:spPr>
+          <a:xfrm>
+            <a:off x="228600" y="1079041"/>
+            <a:ext cx="5723313" cy="584775"/>
+          </a:xfrm>
+          <a:prstGeom prst="rect">
+            <a:avLst/>
+          </a:prstGeom>
+          <a:noFill/>
+        </p:spPr>
+        <p:txBody>
+          <a:bodyPr wrap="square" rtlCol="0">
+            <a:spAutoFit/>
+          </a:bodyPr>
+          <a:lstStyle/>
+          <a:p>
+            <a:r>
+              <a:rPr lang="en-US" altLang="ko-KR" sz="1600" smtClean="0">
+                <a:solidFill>
+                  <a:srgbClr val="FF0000"/>
+                </a:solidFill>
+              </a:rPr>
+              <a:t>read_data_cfg</a:t>
+            </a:r>
+            <a:r>
+              <a:rPr lang="ko-KR" altLang="en-US" sz="1600" smtClean="0"/>
+              <a:t>를 요약하면 다음과 같다</a:t>
+            </a:r>
+            <a:r>
+              <a:rPr lang="en-US" altLang="ko-KR" sz="1600" smtClean="0"/>
+              <a:t>. </a:t>
+            </a:r>
+          </a:p>
+          <a:p>
+            <a:r>
+              <a:rPr lang="ko-KR" altLang="en-US" sz="1600" smtClean="0"/>
+              <a:t>출처 </a:t>
+            </a:r>
+            <a:r>
+              <a:rPr lang="en-US" altLang="ko-KR" sz="1600" smtClean="0"/>
+              <a:t>: </a:t>
+            </a:r>
+            <a:r>
+              <a:rPr lang="en-US" altLang="ko-KR" sz="1600">
+                <a:hlinkClick r:id="rId2"/>
+              </a:rPr>
+              <a:t>https://dhhwang89.tistory.com/110?category=733930</a:t>
+            </a:r>
+            <a:endParaRPr lang="en-US" altLang="ko-KR" sz="1600" smtClean="0"/>
+          </a:p>
+        </p:txBody>
+      </p:sp>
+      <p:sp>
+        <p:nvSpPr>
+          <p:cNvPr id="7" name="TextBox 6"/>
+          <p:cNvSpPr txBox="1"/>
+          <p:nvPr/>
+        </p:nvSpPr>
+        <p:spPr>
+          <a:xfrm>
+            <a:off x="3441470" y="224444"/>
+            <a:ext cx="5370022" cy="461665"/>
+          </a:xfrm>
+          <a:prstGeom prst="rect">
+            <a:avLst/>
+          </a:prstGeom>
+          <a:noFill/>
+        </p:spPr>
+        <p:txBody>
+          <a:bodyPr wrap="square" rtlCol="0">
+            <a:spAutoFit/>
+          </a:bodyPr>
+          <a:lstStyle/>
+          <a:p>
+            <a:r>
+              <a:rPr lang="en-US" altLang="ko-KR" sz="2400" smtClean="0">
+                <a:latin typeface="HY헤드라인M" panose="02030600000101010101" pitchFamily="18" charset="-127"/>
+                <a:ea typeface="HY헤드라인M" panose="02030600000101010101" pitchFamily="18" charset="-127"/>
+              </a:rPr>
+              <a:t>Yolo – detector.c ( test_detector )</a:t>
+            </a:r>
+            <a:endParaRPr lang="ko-KR" altLang="en-US" sz="2400">
+              <a:latin typeface="HY헤드라인M" panose="02030600000101010101" pitchFamily="18" charset="-127"/>
+              <a:ea typeface="HY헤드라인M" panose="02030600000101010101" pitchFamily="18" charset="-127"/>
+            </a:endParaRPr>
+          </a:p>
+        </p:txBody>
+      </p:sp>
+      <p:pic>
+        <p:nvPicPr>
+          <p:cNvPr id="4" name="그림 3"/>
+          <p:cNvPicPr>
+            <a:picLocks noChangeAspect="1"/>
+          </p:cNvPicPr>
+          <p:nvPr/>
+        </p:nvPicPr>
+        <p:blipFill>
+          <a:blip r:embed="rId3">
+            <a:extLst>
+              <a:ext uri="{28A0092B-C50C-407E-A947-70E740481C1C}">
+                <a14:useLocalDpi xmlns:a14="http://schemas.microsoft.com/office/drawing/2010/main" val="0"/>
+              </a:ext>
+            </a:extLst>
+          </a:blip>
+          <a:stretch>
+            <a:fillRect/>
+          </a:stretch>
+        </p:blipFill>
+        <p:spPr>
+          <a:xfrm>
+            <a:off x="1585306" y="1899458"/>
+            <a:ext cx="8572500" cy="4572000"/>
+          </a:xfrm>
+          <a:prstGeom prst="rect">
+            <a:avLst/>
+          </a:prstGeom>
+        </p:spPr>
+      </p:pic>
+    </p:spTree>
+    <p:extLst>
+      <p:ext uri="{BB962C8B-B14F-4D97-AF65-F5344CB8AC3E}">
+        <p14:creationId xmlns:p14="http://schemas.microsoft.com/office/powerpoint/2010/main" val="1033684951"/>
+      </p:ext>
+    </p:extLst>
+  </p:cSld>
+  <p:clrMapOvr>
+    <a:masterClrMapping/>
+  </p:clrMapOvr>
+  <p:timing>
+    <p:tnLst>
+      <p:par>
+        <p:cTn id="1" dur="indefinite" restart="never" nodeType="tmRoot"/>
+      </p:par>
+    </p:tnLst>
+  </p:timing>
+</p:sld>
+</file>
+
+<file path=ppt/slides/slide7.xml><?xml version="1.0" encoding="utf-8"?>
+<p:sld xmlns:a="http://schemas.openxmlformats.org/drawingml/2006/main" xmlns:r="http://schemas.openxmlformats.org/officeDocument/2006/relationships" xmlns:p="http://schemas.openxmlformats.org/presentationml/2006/main">
+  <p:cSld>
+    <p:spTree>
+      <p:nvGrpSpPr>
+        <p:cNvPr id="1" name=""/>
+        <p:cNvGrpSpPr/>
+        <p:nvPr/>
+      </p:nvGrpSpPr>
+      <p:grpSpPr>
+        <a:xfrm>
+          <a:off x="0" y="0"/>
+          <a:ext cx="0" cy="0"/>
+          <a:chOff x="0" y="0"/>
+          <a:chExt cx="0" cy="0"/>
+        </a:xfrm>
+      </p:grpSpPr>
+      <p:sp>
+        <p:nvSpPr>
+          <p:cNvPr id="6" name="TextBox 5"/>
+          <p:cNvSpPr txBox="1"/>
+          <p:nvPr/>
+        </p:nvSpPr>
+        <p:spPr>
+          <a:xfrm>
+            <a:off x="6342611" y="864523"/>
+            <a:ext cx="5436523" cy="2031325"/>
+          </a:xfrm>
+          <a:prstGeom prst="rect">
+            <a:avLst/>
+          </a:prstGeom>
+          <a:noFill/>
+        </p:spPr>
+        <p:txBody>
+          <a:bodyPr wrap="square" rtlCol="0">
+            <a:spAutoFit/>
+          </a:bodyPr>
+          <a:lstStyle/>
+          <a:p>
+            <a:r>
+              <a:rPr lang="en-US" altLang="ko-KR" sz="1400" smtClean="0">
+                <a:solidFill>
+                  <a:srgbClr val="FF0000"/>
+                </a:solidFill>
+              </a:rPr>
+              <a:t>option_find_str(options, “names”, “data/names.list”)</a:t>
+            </a:r>
+          </a:p>
+          <a:p>
+            <a:endParaRPr lang="en-US" altLang="ko-KR" sz="1400"/>
+          </a:p>
+          <a:p>
+            <a:r>
+              <a:rPr lang="en-US" altLang="ko-KR" sz="1400" smtClean="0"/>
+              <a:t>list </a:t>
+            </a:r>
+            <a:r>
+              <a:rPr lang="ko-KR" altLang="en-US" sz="1400" smtClean="0"/>
+              <a:t>구조체 </a:t>
+            </a:r>
+            <a:r>
+              <a:rPr lang="en-US" altLang="ko-KR" sz="1400" smtClean="0"/>
+              <a:t>l</a:t>
+            </a:r>
+            <a:r>
+              <a:rPr lang="ko-KR" altLang="en-US" sz="1400" smtClean="0"/>
+              <a:t>과 </a:t>
+            </a:r>
+            <a:r>
+              <a:rPr lang="en-US" altLang="ko-KR" sz="1400" smtClean="0"/>
+              <a:t>key</a:t>
+            </a:r>
+            <a:r>
+              <a:rPr lang="ko-KR" altLang="en-US" sz="1400" smtClean="0"/>
+              <a:t>값을 인자로 </a:t>
+            </a:r>
+            <a:r>
+              <a:rPr lang="en-US" altLang="ko-KR" sz="1400" smtClean="0"/>
+              <a:t>option_find </a:t>
+            </a:r>
+            <a:r>
+              <a:rPr lang="ko-KR" altLang="en-US" sz="1400" smtClean="0"/>
+              <a:t>함수를 실행하여</a:t>
+            </a:r>
+            <a:r>
+              <a:rPr lang="en-US" altLang="ko-KR" sz="1400" smtClean="0"/>
+              <a:t>, </a:t>
+            </a:r>
+            <a:r>
+              <a:rPr lang="ko-KR" altLang="en-US" sz="1400" smtClean="0"/>
+              <a:t>반환값을 </a:t>
+            </a:r>
+            <a:r>
+              <a:rPr lang="en-US" altLang="ko-KR" sz="1400" smtClean="0"/>
+              <a:t>char* </a:t>
+            </a:r>
+            <a:r>
+              <a:rPr lang="ko-KR" altLang="en-US" sz="1400" smtClean="0"/>
+              <a:t>타입의 변수 </a:t>
+            </a:r>
+            <a:r>
+              <a:rPr lang="en-US" altLang="ko-KR" sz="1400" smtClean="0"/>
+              <a:t>v</a:t>
+            </a:r>
+            <a:r>
+              <a:rPr lang="ko-KR" altLang="en-US" sz="1400" smtClean="0"/>
+              <a:t>에 넣는다</a:t>
+            </a:r>
+            <a:r>
+              <a:rPr lang="en-US" altLang="ko-KR" sz="1400" smtClean="0"/>
+              <a:t>.</a:t>
+            </a:r>
+          </a:p>
+          <a:p>
+            <a:endParaRPr lang="en-US" altLang="ko-KR" sz="1400"/>
+          </a:p>
+          <a:p>
+            <a:r>
+              <a:rPr lang="ko-KR" altLang="en-US" sz="1400" smtClean="0"/>
+              <a:t>만약에 </a:t>
+            </a:r>
+            <a:r>
+              <a:rPr lang="en-US" altLang="ko-KR" sz="1400" smtClean="0"/>
+              <a:t>v</a:t>
+            </a:r>
+            <a:r>
+              <a:rPr lang="ko-KR" altLang="en-US" sz="1400" smtClean="0"/>
+              <a:t>에 값이 있다면 </a:t>
+            </a:r>
+            <a:r>
+              <a:rPr lang="en-US" altLang="ko-KR" sz="1400" smtClean="0"/>
+              <a:t>v</a:t>
+            </a:r>
+            <a:r>
+              <a:rPr lang="ko-KR" altLang="en-US" sz="1400" smtClean="0"/>
+              <a:t>를 반환하고 함수 종료</a:t>
+            </a:r>
+            <a:endParaRPr lang="en-US" altLang="ko-KR" sz="1400" smtClean="0"/>
+          </a:p>
+          <a:p>
+            <a:endParaRPr lang="en-US" altLang="ko-KR" sz="1400"/>
+          </a:p>
+          <a:p>
+            <a:r>
+              <a:rPr lang="en-US" altLang="ko-KR" sz="1400" smtClean="0"/>
+              <a:t>v</a:t>
+            </a:r>
+            <a:r>
+              <a:rPr lang="ko-KR" altLang="en-US" sz="1400" smtClean="0"/>
+              <a:t>에 값이 없다면 </a:t>
+            </a:r>
+            <a:r>
+              <a:rPr lang="en-US" altLang="ko-KR" sz="1400" smtClean="0"/>
+              <a:t>default</a:t>
+            </a:r>
+            <a:r>
+              <a:rPr lang="ko-KR" altLang="en-US" sz="1400" smtClean="0"/>
+              <a:t>값을 사용한다는 알람을 출력하고 나서 </a:t>
+            </a:r>
+            <a:r>
+              <a:rPr lang="en-US" altLang="ko-KR" sz="1400" smtClean="0"/>
+              <a:t>def</a:t>
+            </a:r>
+            <a:r>
+              <a:rPr lang="ko-KR" altLang="en-US" sz="1400" smtClean="0"/>
+              <a:t>값을 반환하고 함수를 종료</a:t>
+            </a:r>
+            <a:r>
+              <a:rPr lang="en-US" altLang="ko-KR" sz="1400" smtClean="0"/>
+              <a:t>.</a:t>
+            </a:r>
+          </a:p>
+        </p:txBody>
+      </p:sp>
+      <p:sp>
+        <p:nvSpPr>
+          <p:cNvPr id="7" name="TextBox 6"/>
+          <p:cNvSpPr txBox="1"/>
+          <p:nvPr/>
+        </p:nvSpPr>
+        <p:spPr>
+          <a:xfrm>
+            <a:off x="3441470" y="224444"/>
+            <a:ext cx="5370022" cy="461665"/>
+          </a:xfrm>
+          <a:prstGeom prst="rect">
+            <a:avLst/>
+          </a:prstGeom>
+          <a:noFill/>
+        </p:spPr>
+        <p:txBody>
+          <a:bodyPr wrap="square" rtlCol="0">
+            <a:spAutoFit/>
+          </a:bodyPr>
+          <a:lstStyle/>
+          <a:p>
+            <a:r>
+              <a:rPr lang="en-US" altLang="ko-KR" sz="2400" smtClean="0">
+                <a:latin typeface="HY헤드라인M" panose="02030600000101010101" pitchFamily="18" charset="-127"/>
+                <a:ea typeface="HY헤드라인M" panose="02030600000101010101" pitchFamily="18" charset="-127"/>
+              </a:rPr>
+              <a:t>Yolo – detector.c ( test_detector )</a:t>
+            </a:r>
+            <a:endParaRPr lang="ko-KR" altLang="en-US" sz="2400">
+              <a:latin typeface="HY헤드라인M" panose="02030600000101010101" pitchFamily="18" charset="-127"/>
+              <a:ea typeface="HY헤드라인M" panose="02030600000101010101" pitchFamily="18" charset="-127"/>
+            </a:endParaRPr>
+          </a:p>
+        </p:txBody>
+      </p:sp>
+      <p:pic>
+        <p:nvPicPr>
+          <p:cNvPr id="2" name="그림 1"/>
+          <p:cNvPicPr>
+            <a:picLocks noChangeAspect="1"/>
+          </p:cNvPicPr>
+          <p:nvPr/>
+        </p:nvPicPr>
+        <p:blipFill>
+          <a:blip r:embed="rId2">
+            <a:extLst>
+              <a:ext uri="{28A0092B-C50C-407E-A947-70E740481C1C}">
+                <a14:useLocalDpi xmlns:a14="http://schemas.microsoft.com/office/drawing/2010/main" val="0"/>
+              </a:ext>
+            </a:extLst>
+          </a:blip>
+          <a:stretch>
+            <a:fillRect/>
+          </a:stretch>
+        </p:blipFill>
+        <p:spPr>
+          <a:xfrm>
+            <a:off x="285662" y="1001099"/>
+            <a:ext cx="5286375" cy="1238250"/>
+          </a:xfrm>
+          <a:prstGeom prst="rect">
+            <a:avLst/>
+          </a:prstGeom>
+        </p:spPr>
+      </p:pic>
+      <p:sp>
+        <p:nvSpPr>
+          <p:cNvPr id="10" name="TextBox 9"/>
+          <p:cNvSpPr txBox="1"/>
+          <p:nvPr/>
+        </p:nvSpPr>
+        <p:spPr>
+          <a:xfrm>
+            <a:off x="6342610" y="3074262"/>
+            <a:ext cx="5436523" cy="3539430"/>
+          </a:xfrm>
+          <a:prstGeom prst="rect">
+            <a:avLst/>
+          </a:prstGeom>
+          <a:noFill/>
+        </p:spPr>
+        <p:txBody>
+          <a:bodyPr wrap="square" rtlCol="0">
+            <a:spAutoFit/>
+          </a:bodyPr>
+          <a:lstStyle/>
+          <a:p>
+            <a:r>
+              <a:rPr lang="en-US" altLang="ko-KR" sz="1400" smtClean="0">
+                <a:solidFill>
+                  <a:srgbClr val="FF0000"/>
+                </a:solidFill>
+              </a:rPr>
+              <a:t>option_find</a:t>
+            </a:r>
+            <a:r>
+              <a:rPr lang="en-US" altLang="ko-KR" sz="1400" smtClean="0"/>
+              <a:t> </a:t>
+            </a:r>
+          </a:p>
+          <a:p>
+            <a:endParaRPr lang="en-US" altLang="ko-KR" sz="1400"/>
+          </a:p>
+          <a:p>
+            <a:r>
+              <a:rPr lang="en-US" altLang="ko-KR" sz="1400" smtClean="0"/>
+              <a:t>node </a:t>
+            </a:r>
+            <a:r>
+              <a:rPr lang="ko-KR" altLang="en-US" sz="1400" smtClean="0"/>
+              <a:t>구조체 포인터 </a:t>
+            </a:r>
+            <a:r>
+              <a:rPr lang="en-US" altLang="ko-KR" sz="1400" smtClean="0"/>
+              <a:t>n</a:t>
+            </a:r>
+            <a:r>
+              <a:rPr lang="ko-KR" altLang="en-US" sz="1400" smtClean="0"/>
+              <a:t>을 생성하고 파라미터로 받은 리스트 구조체의 멤버 </a:t>
+            </a:r>
+            <a:r>
+              <a:rPr lang="en-US" altLang="ko-KR" sz="1400" smtClean="0"/>
+              <a:t>front</a:t>
+            </a:r>
+            <a:r>
+              <a:rPr lang="ko-KR" altLang="en-US" sz="1400" smtClean="0"/>
+              <a:t>를 대입한다</a:t>
+            </a:r>
+            <a:r>
+              <a:rPr lang="en-US" altLang="ko-KR" sz="1400" smtClean="0"/>
+              <a:t>.</a:t>
+            </a:r>
+          </a:p>
+          <a:p>
+            <a:endParaRPr lang="en-US" altLang="ko-KR" sz="1400"/>
+          </a:p>
+          <a:p>
+            <a:r>
+              <a:rPr lang="en-US" altLang="ko-KR" sz="1400" smtClean="0"/>
+              <a:t>n</a:t>
+            </a:r>
+            <a:r>
+              <a:rPr lang="ko-KR" altLang="en-US" sz="1400" smtClean="0"/>
+              <a:t>이 존재한다면 계속 순회</a:t>
+            </a:r>
+            <a:r>
+              <a:rPr lang="en-US" altLang="ko-KR" sz="1400" smtClean="0"/>
+              <a:t>(while</a:t>
+            </a:r>
+            <a:r>
+              <a:rPr lang="ko-KR" altLang="en-US" sz="1400" smtClean="0"/>
+              <a:t>문</a:t>
+            </a:r>
+            <a:r>
+              <a:rPr lang="en-US" altLang="ko-KR" sz="1400" smtClean="0"/>
+              <a:t>)</a:t>
+            </a:r>
+          </a:p>
+          <a:p>
+            <a:r>
+              <a:rPr lang="en-US" altLang="ko-KR" sz="1400" smtClean="0"/>
+              <a:t>  - kvp </a:t>
+            </a:r>
+            <a:r>
+              <a:rPr lang="ko-KR" altLang="en-US" sz="1400" smtClean="0"/>
+              <a:t>구조체 포인터 </a:t>
+            </a:r>
+            <a:r>
+              <a:rPr lang="en-US" altLang="ko-KR" sz="1400" smtClean="0"/>
+              <a:t>p</a:t>
+            </a:r>
+            <a:r>
+              <a:rPr lang="ko-KR" altLang="en-US" sz="1400" smtClean="0"/>
+              <a:t>를 생성</a:t>
+            </a:r>
+            <a:r>
+              <a:rPr lang="en-US" altLang="ko-KR" sz="1400" smtClean="0"/>
+              <a:t>, node </a:t>
+            </a:r>
+            <a:r>
+              <a:rPr lang="ko-KR" altLang="en-US" sz="1400" smtClean="0"/>
+              <a:t>구조체의 </a:t>
+            </a:r>
+            <a:r>
+              <a:rPr lang="en-US" altLang="ko-KR" sz="1400" smtClean="0"/>
+              <a:t>val</a:t>
+            </a:r>
+            <a:r>
+              <a:rPr lang="ko-KR" altLang="en-US" sz="1400" smtClean="0"/>
+              <a:t>값을 </a:t>
+            </a:r>
+            <a:r>
+              <a:rPr lang="en-US" altLang="ko-KR" sz="1400" smtClean="0"/>
+              <a:t>kvp </a:t>
+            </a:r>
+            <a:r>
+              <a:rPr lang="ko-KR" altLang="en-US" sz="1400" smtClean="0"/>
+              <a:t>구조체 포인터로 캐스팅하여 대입</a:t>
+            </a:r>
+            <a:endParaRPr lang="en-US" altLang="ko-KR" sz="1400" smtClean="0"/>
+          </a:p>
+          <a:p>
+            <a:r>
+              <a:rPr lang="en-US" altLang="ko-KR" sz="1400"/>
+              <a:t> </a:t>
+            </a:r>
+            <a:r>
+              <a:rPr lang="en-US" altLang="ko-KR" sz="1400" smtClean="0"/>
+              <a:t> - kvp </a:t>
+            </a:r>
+            <a:r>
+              <a:rPr lang="ko-KR" altLang="en-US" sz="1400" smtClean="0"/>
+              <a:t>구조체 포인터 </a:t>
+            </a:r>
+            <a:r>
+              <a:rPr lang="en-US" altLang="ko-KR" sz="1400" smtClean="0"/>
+              <a:t>p</a:t>
+            </a:r>
+            <a:r>
+              <a:rPr lang="ko-KR" altLang="en-US" sz="1400" smtClean="0"/>
+              <a:t>의 멤버 </a:t>
+            </a:r>
+            <a:r>
+              <a:rPr lang="en-US" altLang="ko-KR" sz="1400" smtClean="0"/>
+              <a:t>key</a:t>
+            </a:r>
+            <a:r>
+              <a:rPr lang="ko-KR" altLang="en-US" sz="1400" smtClean="0"/>
+              <a:t>와 함수 파라미터로 받은 </a:t>
+            </a:r>
+            <a:r>
+              <a:rPr lang="en-US" altLang="ko-KR" sz="1400" smtClean="0"/>
+              <a:t>key</a:t>
+            </a:r>
+            <a:r>
+              <a:rPr lang="ko-KR" altLang="en-US" sz="1400" smtClean="0"/>
+              <a:t>가 같다면 </a:t>
+            </a:r>
+            <a:r>
+              <a:rPr lang="en-US" altLang="ko-KR" sz="1400" smtClean="0"/>
+              <a:t>kvp</a:t>
+            </a:r>
+            <a:r>
+              <a:rPr lang="ko-KR" altLang="en-US" sz="1400" smtClean="0"/>
+              <a:t>구조체 멤버의 </a:t>
+            </a:r>
+            <a:r>
+              <a:rPr lang="en-US" altLang="ko-KR" sz="1400" smtClean="0"/>
+              <a:t>used</a:t>
+            </a:r>
+            <a:r>
+              <a:rPr lang="ko-KR" altLang="en-US" sz="1400" smtClean="0"/>
+              <a:t>를 </a:t>
+            </a:r>
+            <a:r>
+              <a:rPr lang="en-US" altLang="ko-KR" sz="1400" smtClean="0"/>
+              <a:t>1</a:t>
+            </a:r>
+            <a:r>
+              <a:rPr lang="ko-KR" altLang="en-US" sz="1400" smtClean="0"/>
+              <a:t>로 변경해주고 </a:t>
+            </a:r>
+            <a:r>
+              <a:rPr lang="en-US" altLang="ko-KR" sz="1400" smtClean="0"/>
+              <a:t>kvp </a:t>
+            </a:r>
+            <a:r>
+              <a:rPr lang="ko-KR" altLang="en-US" sz="1400" smtClean="0"/>
+              <a:t>구조체 멤버 </a:t>
+            </a:r>
+            <a:r>
+              <a:rPr lang="en-US" altLang="ko-KR" sz="1400" smtClean="0"/>
+              <a:t>val</a:t>
+            </a:r>
+            <a:r>
+              <a:rPr lang="ko-KR" altLang="en-US" sz="1400" smtClean="0"/>
+              <a:t>값을 돌려주고 함수 종료</a:t>
+            </a:r>
+            <a:endParaRPr lang="en-US" altLang="ko-KR" sz="1400" smtClean="0"/>
+          </a:p>
+          <a:p>
+            <a:r>
+              <a:rPr lang="en-US" altLang="ko-KR" sz="1400"/>
+              <a:t> </a:t>
+            </a:r>
+            <a:r>
+              <a:rPr lang="en-US" altLang="ko-KR" sz="1400" smtClean="0"/>
+              <a:t> - kvp </a:t>
+            </a:r>
+            <a:r>
+              <a:rPr lang="ko-KR" altLang="en-US" sz="1400" smtClean="0"/>
+              <a:t>구조체 포인터 </a:t>
+            </a:r>
+            <a:r>
+              <a:rPr lang="en-US" altLang="ko-KR" sz="1400" smtClean="0"/>
+              <a:t>p</a:t>
+            </a:r>
+            <a:r>
+              <a:rPr lang="ko-KR" altLang="en-US" sz="1400" smtClean="0"/>
+              <a:t>의 멤버 </a:t>
+            </a:r>
+            <a:r>
+              <a:rPr lang="en-US" altLang="ko-KR" sz="1400" smtClean="0"/>
+              <a:t>key</a:t>
+            </a:r>
+            <a:r>
+              <a:rPr lang="ko-KR" altLang="en-US" sz="1400" smtClean="0"/>
+              <a:t>와 함수 파라미터로 받은 </a:t>
+            </a:r>
+            <a:r>
+              <a:rPr lang="en-US" altLang="ko-KR" sz="1400" smtClean="0"/>
+              <a:t>key</a:t>
+            </a:r>
+            <a:r>
+              <a:rPr lang="ko-KR" altLang="en-US" sz="1400" smtClean="0"/>
+              <a:t>가 같지 않다면 </a:t>
+            </a:r>
+            <a:r>
+              <a:rPr lang="en-US" altLang="ko-KR" sz="1400" smtClean="0"/>
+              <a:t>node </a:t>
+            </a:r>
+            <a:r>
+              <a:rPr lang="ko-KR" altLang="en-US" sz="1400" smtClean="0"/>
+              <a:t>구조체 포인터 값을 다음 노드 값으로 변경</a:t>
+            </a:r>
+            <a:endParaRPr lang="en-US" altLang="ko-KR" sz="1400" smtClean="0"/>
+          </a:p>
+          <a:p>
+            <a:endParaRPr lang="en-US" altLang="ko-KR" sz="1400"/>
+          </a:p>
+          <a:p>
+            <a:r>
+              <a:rPr lang="ko-KR" altLang="en-US" sz="1400" smtClean="0"/>
+              <a:t>순호 마친 이후에 해당하는 </a:t>
+            </a:r>
+            <a:r>
+              <a:rPr lang="en-US" altLang="ko-KR" sz="1400" smtClean="0"/>
+              <a:t>option</a:t>
+            </a:r>
+            <a:r>
+              <a:rPr lang="ko-KR" altLang="en-US" sz="1400" smtClean="0"/>
+              <a:t>은 찾을 수 없다면 </a:t>
+            </a:r>
+            <a:r>
+              <a:rPr lang="en-US" altLang="ko-KR" sz="1400" smtClean="0"/>
+              <a:t>0</a:t>
+            </a:r>
+            <a:r>
+              <a:rPr lang="ko-KR" altLang="en-US" sz="1400" smtClean="0"/>
+              <a:t>을 반환하고 함수 종료</a:t>
+            </a:r>
+            <a:endParaRPr lang="en-US" altLang="ko-KR" sz="1400" smtClean="0"/>
+          </a:p>
+        </p:txBody>
+      </p:sp>
+      <p:pic>
+        <p:nvPicPr>
+          <p:cNvPr id="11" name="그림 10"/>
+          <p:cNvPicPr>
+            <a:picLocks noChangeAspect="1"/>
+          </p:cNvPicPr>
+          <p:nvPr/>
+        </p:nvPicPr>
+        <p:blipFill>
+          <a:blip r:embed="rId3">
+            <a:extLst>
+              <a:ext uri="{28A0092B-C50C-407E-A947-70E740481C1C}">
+                <a14:useLocalDpi xmlns:a14="http://schemas.microsoft.com/office/drawing/2010/main" val="0"/>
+              </a:ext>
+            </a:extLst>
+          </a:blip>
+          <a:stretch>
+            <a:fillRect/>
+          </a:stretch>
+        </p:blipFill>
+        <p:spPr>
+          <a:xfrm>
+            <a:off x="765203" y="3074262"/>
+            <a:ext cx="4180870" cy="2769585"/>
+          </a:xfrm>
+          <a:prstGeom prst="rect">
+            <a:avLst/>
+          </a:prstGeom>
+        </p:spPr>
+      </p:pic>
+    </p:spTree>
+    <p:extLst>
+      <p:ext uri="{BB962C8B-B14F-4D97-AF65-F5344CB8AC3E}">
+        <p14:creationId xmlns:p14="http://schemas.microsoft.com/office/powerpoint/2010/main" val="8786360"/>
+      </p:ext>
+    </p:extLst>
+  </p:cSld>
+  <p:clrMapOvr>
+    <a:masterClrMapping/>
+  </p:clrMapOvr>
+  <p:timing>
+    <p:tnLst>
+      <p:par>
+        <p:cTn id="1" dur="indefinite" restart="never" nodeType="tmRoot"/>
+      </p:par>
+    </p:tnLst>
+  </p:timing>
+</p:sld>
+</file>
+
+<file path=ppt/slides/slide8.xml><?xml version="1.0" encoding="utf-8"?>
+<p:sld xmlns:a="http://schemas.openxmlformats.org/drawingml/2006/main" xmlns:r="http://schemas.openxmlformats.org/officeDocument/2006/relationships" xmlns:p="http://schemas.openxmlformats.org/presentationml/2006/main">
+  <p:cSld>
+    <p:spTree>
+      <p:nvGrpSpPr>
+        <p:cNvPr id="1" name=""/>
+        <p:cNvGrpSpPr/>
+        <p:nvPr/>
+      </p:nvGrpSpPr>
+      <p:grpSpPr>
+        <a:xfrm>
+          <a:off x="0" y="0"/>
+          <a:ext cx="0" cy="0"/>
+          <a:chOff x="0" y="0"/>
+          <a:chExt cx="0" cy="0"/>
+        </a:xfrm>
+      </p:grpSpPr>
+      <p:sp>
+        <p:nvSpPr>
+          <p:cNvPr id="6" name="TextBox 5"/>
+          <p:cNvSpPr txBox="1"/>
+          <p:nvPr/>
+        </p:nvSpPr>
+        <p:spPr>
+          <a:xfrm>
+            <a:off x="6342611" y="864523"/>
+            <a:ext cx="5436523" cy="1600438"/>
+          </a:xfrm>
+          <a:prstGeom prst="rect">
+            <a:avLst/>
+          </a:prstGeom>
+          <a:noFill/>
+        </p:spPr>
+        <p:txBody>
+          <a:bodyPr wrap="square" rtlCol="0">
+            <a:spAutoFit/>
+          </a:bodyPr>
+          <a:lstStyle/>
+          <a:p>
+            <a:r>
+              <a:rPr lang="en-US" altLang="ko-KR" sz="1400" smtClean="0"/>
+              <a:t>option_find_str(options, “names”, “data/names.list”) </a:t>
+            </a:r>
+            <a:r>
+              <a:rPr lang="ko-KR" altLang="en-US" sz="1400" smtClean="0"/>
+              <a:t>요약</a:t>
+            </a:r>
+            <a:endParaRPr lang="en-US" altLang="ko-KR" sz="1400" smtClean="0"/>
+          </a:p>
+          <a:p>
+            <a:endParaRPr lang="en-US" altLang="ko-KR" sz="1400"/>
+          </a:p>
+          <a:p>
+            <a:r>
+              <a:rPr lang="en-US" altLang="ko-KR" sz="1400" smtClean="0"/>
+              <a:t>read_data_cfg</a:t>
+            </a:r>
+            <a:r>
+              <a:rPr lang="ko-KR" altLang="en-US" sz="1400" smtClean="0"/>
+              <a:t>에서 만들어진 </a:t>
+            </a:r>
+            <a:r>
+              <a:rPr lang="en-US" altLang="ko-KR" sz="1400" smtClean="0"/>
+              <a:t>options</a:t>
+            </a:r>
+            <a:r>
+              <a:rPr lang="ko-KR" altLang="en-US" sz="1400" smtClean="0"/>
+              <a:t>라는 리스트에서 </a:t>
+            </a:r>
+            <a:r>
+              <a:rPr lang="en-US" altLang="ko-KR" sz="1400" smtClean="0"/>
+              <a:t>“names”</a:t>
+            </a:r>
+            <a:r>
+              <a:rPr lang="ko-KR" altLang="en-US" sz="1400" smtClean="0"/>
+              <a:t>라는 키값을 찾아서 그에 대한 값을 받아내는 함수</a:t>
+            </a:r>
+            <a:r>
+              <a:rPr lang="en-US" altLang="ko-KR" sz="1400" smtClean="0"/>
+              <a:t>.</a:t>
+            </a:r>
+          </a:p>
+          <a:p>
+            <a:endParaRPr lang="en-US" altLang="ko-KR" sz="1400"/>
+          </a:p>
+          <a:p>
+            <a:r>
+              <a:rPr lang="ko-KR" altLang="en-US" sz="1400" smtClean="0"/>
+              <a:t>해당 값을 받으면서</a:t>
+            </a:r>
+            <a:r>
+              <a:rPr lang="en-US" altLang="ko-KR" sz="1400" smtClean="0"/>
+              <a:t>, </a:t>
+            </a:r>
+            <a:r>
+              <a:rPr lang="ko-KR" altLang="en-US" sz="1400" smtClean="0"/>
+              <a:t>해당 구주체의 멤버는 이미 사용했다는 의미로 </a:t>
+            </a:r>
+            <a:r>
+              <a:rPr lang="en-US" altLang="ko-KR" sz="1400" smtClean="0"/>
+              <a:t>flag</a:t>
+            </a:r>
+            <a:r>
+              <a:rPr lang="ko-KR" altLang="en-US" sz="1400" smtClean="0"/>
+              <a:t>인 </a:t>
+            </a:r>
+            <a:r>
+              <a:rPr lang="en-US" altLang="ko-KR" sz="1400" smtClean="0"/>
+              <a:t>used</a:t>
+            </a:r>
+            <a:r>
+              <a:rPr lang="ko-KR" altLang="en-US" sz="1400" smtClean="0"/>
+              <a:t>를 </a:t>
+            </a:r>
+            <a:r>
+              <a:rPr lang="en-US" altLang="ko-KR" sz="1400" smtClean="0"/>
+              <a:t>1</a:t>
+            </a:r>
+            <a:r>
+              <a:rPr lang="ko-KR" altLang="en-US" sz="1400" smtClean="0"/>
+              <a:t>로 변경</a:t>
+            </a:r>
+            <a:endParaRPr lang="en-US" altLang="ko-KR" sz="1400"/>
+          </a:p>
+        </p:txBody>
+      </p:sp>
+      <p:sp>
+        <p:nvSpPr>
+          <p:cNvPr id="7" name="TextBox 6"/>
+          <p:cNvSpPr txBox="1"/>
+          <p:nvPr/>
+        </p:nvSpPr>
+        <p:spPr>
+          <a:xfrm>
+            <a:off x="3441470" y="224444"/>
+            <a:ext cx="5370022" cy="461665"/>
+          </a:xfrm>
+          <a:prstGeom prst="rect">
+            <a:avLst/>
+          </a:prstGeom>
+          <a:noFill/>
+        </p:spPr>
+        <p:txBody>
+          <a:bodyPr wrap="square" rtlCol="0">
+            <a:spAutoFit/>
+          </a:bodyPr>
+          <a:lstStyle/>
+          <a:p>
+            <a:r>
+              <a:rPr lang="en-US" altLang="ko-KR" sz="2400" smtClean="0">
+                <a:latin typeface="HY헤드라인M" panose="02030600000101010101" pitchFamily="18" charset="-127"/>
+                <a:ea typeface="HY헤드라인M" panose="02030600000101010101" pitchFamily="18" charset="-127"/>
+              </a:rPr>
+              <a:t>Yolo – detector.c ( test_detector )</a:t>
+            </a:r>
+            <a:endParaRPr lang="ko-KR" altLang="en-US" sz="2400">
+              <a:latin typeface="HY헤드라인M" panose="02030600000101010101" pitchFamily="18" charset="-127"/>
+              <a:ea typeface="HY헤드라인M" panose="02030600000101010101" pitchFamily="18" charset="-127"/>
+            </a:endParaRPr>
+          </a:p>
+        </p:txBody>
+      </p:sp>
+      <p:pic>
+        <p:nvPicPr>
+          <p:cNvPr id="2" name="그림 1"/>
+          <p:cNvPicPr>
+            <a:picLocks noChangeAspect="1"/>
+          </p:cNvPicPr>
+          <p:nvPr/>
+        </p:nvPicPr>
+        <p:blipFill>
+          <a:blip r:embed="rId2">
+            <a:extLst>
+              <a:ext uri="{28A0092B-C50C-407E-A947-70E740481C1C}">
+                <a14:useLocalDpi xmlns:a14="http://schemas.microsoft.com/office/drawing/2010/main" val="0"/>
+              </a:ext>
+            </a:extLst>
+          </a:blip>
+          <a:stretch>
+            <a:fillRect/>
+          </a:stretch>
+        </p:blipFill>
+        <p:spPr>
+          <a:xfrm>
+            <a:off x="285662" y="1001099"/>
+            <a:ext cx="5286375" cy="1238250"/>
+          </a:xfrm>
+          <a:prstGeom prst="rect">
+            <a:avLst/>
+          </a:prstGeom>
+        </p:spPr>
+      </p:pic>
+      <p:sp>
+        <p:nvSpPr>
+          <p:cNvPr id="8" name="TextBox 7"/>
+          <p:cNvSpPr txBox="1"/>
+          <p:nvPr/>
+        </p:nvSpPr>
+        <p:spPr>
+          <a:xfrm>
+            <a:off x="3765667" y="6217280"/>
+            <a:ext cx="5436523" cy="307777"/>
+          </a:xfrm>
+          <a:prstGeom prst="rect">
+            <a:avLst/>
+          </a:prstGeom>
+          <a:noFill/>
+        </p:spPr>
+        <p:txBody>
+          <a:bodyPr wrap="square" rtlCol="0">
+            <a:spAutoFit/>
+          </a:bodyPr>
+          <a:lstStyle/>
+          <a:p>
+            <a:r>
+              <a:rPr lang="ko-KR" altLang="en-US" sz="1400" smtClean="0"/>
+              <a:t>출처 </a:t>
+            </a:r>
+            <a:r>
+              <a:rPr lang="en-US" altLang="ko-KR" sz="1400" smtClean="0"/>
+              <a:t>: </a:t>
+            </a:r>
+            <a:r>
+              <a:rPr lang="en-US" altLang="ko-KR" sz="1400">
+                <a:hlinkClick r:id="rId3"/>
+              </a:rPr>
+              <a:t>https://dhhwang89.tistory.com/111?category=733930</a:t>
+            </a:r>
+            <a:endParaRPr lang="en-US" altLang="ko-KR" sz="1400"/>
+          </a:p>
+        </p:txBody>
+      </p:sp>
+      <p:pic>
+        <p:nvPicPr>
+          <p:cNvPr id="4" name="그림 3"/>
+          <p:cNvPicPr>
+            <a:picLocks noChangeAspect="1"/>
+          </p:cNvPicPr>
+          <p:nvPr/>
+        </p:nvPicPr>
+        <p:blipFill>
+          <a:blip r:embed="rId4">
+            <a:extLst>
+              <a:ext uri="{28A0092B-C50C-407E-A947-70E740481C1C}">
+                <a14:useLocalDpi xmlns:a14="http://schemas.microsoft.com/office/drawing/2010/main" val="0"/>
+              </a:ext>
+            </a:extLst>
+          </a:blip>
+          <a:stretch>
+            <a:fillRect/>
+          </a:stretch>
+        </p:blipFill>
+        <p:spPr>
+          <a:xfrm>
+            <a:off x="2963748" y="2984269"/>
+            <a:ext cx="6738504" cy="3152266"/>
+          </a:xfrm>
+          <a:prstGeom prst="rect">
+            <a:avLst/>
+          </a:prstGeom>
+        </p:spPr>
+      </p:pic>
+      <p:sp>
+        <p:nvSpPr>
+          <p:cNvPr id="5" name="직사각형 4"/>
+          <p:cNvSpPr/>
+          <p:nvPr/>
+        </p:nvSpPr>
+        <p:spPr>
+          <a:xfrm>
+            <a:off x="2550709" y="5167738"/>
+            <a:ext cx="4023360" cy="730976"/>
+          </a:xfrm>
+          <a:prstGeom prst="rect">
+            <a:avLst/>
+          </a:prstGeom>
+          <a:noFill/>
+          <a:ln w="12700" cap="flat" cmpd="sng" algn="ctr">
+            <a:solidFill>
+              <a:srgbClr val="FF0000"/>
+            </a:solidFill>
+            <a:prstDash val="solid"/>
+            <a:round/>
+            <a:headEnd type="none" w="med" len="med"/>
+            <a:tailEnd type="none" w="med" len="med"/>
+          </a:ln>
+        </p:spPr>
+        <p:style>
+          <a:lnRef idx="0">
+            <a:scrgbClr r="0" g="0" b="0"/>
+          </a:lnRef>
+          <a:fillRef idx="0">
+            <a:scrgbClr r="0" g="0" b="0"/>
+          </a:fillRef>
+          <a:effectRef idx="0">
+            <a:scrgbClr r="0" g="0" b="0"/>
+          </a:effectRef>
+          <a:fontRef idx="minor">
+            <a:schemeClr val="accent2"/>
+          </a:fontRef>
+        </p:style>
+        <p:txBody>
+          <a:bodyPr rtlCol="0" anchor="ctr"/>
+          <a:lstStyle/>
+          <a:p>
+            <a:pPr algn="ctr"/>
+            <a:endParaRPr lang="ko-KR" altLang="en-US"/>
+          </a:p>
+        </p:txBody>
+      </p:sp>
+    </p:spTree>
+    <p:extLst>
+      <p:ext uri="{BB962C8B-B14F-4D97-AF65-F5344CB8AC3E}">
+        <p14:creationId xmlns:p14="http://schemas.microsoft.com/office/powerpoint/2010/main" val="499074505"/>
+      </p:ext>
+    </p:extLst>
+  </p:cSld>
+  <p:clrMapOvr>
+    <a:masterClrMapping/>
+  </p:clrMapOvr>
+  <p:timing>
+    <p:tnLst>
+      <p:par>
+        <p:cTn id="1" dur="indefinite" restart="never" nodeType="tmRoot"/>
+      </p:par>
+    </p:tnLst>
+  </p:timing>
+</p:sld>
+</file>
+
+<file path=ppt/slides/slide9.xml><?xml version="1.0" encoding="utf-8"?>
+<p:sld xmlns:a="http://schemas.openxmlformats.org/drawingml/2006/main" xmlns:r="http://schemas.openxmlformats.org/officeDocument/2006/relationships" xmlns:p="http://schemas.openxmlformats.org/presentationml/2006/main">
+  <p:cSld>
+    <p:spTree>
+      <p:nvGrpSpPr>
+        <p:cNvPr id="1" name=""/>
+        <p:cNvGrpSpPr/>
+        <p:nvPr/>
+      </p:nvGrpSpPr>
+      <p:grpSpPr>
+        <a:xfrm>
+          <a:off x="0" y="0"/>
+          <a:ext cx="0" cy="0"/>
+          <a:chOff x="0" y="0"/>
+          <a:chExt cx="0" cy="0"/>
+        </a:xfrm>
+      </p:grpSpPr>
+      <p:sp>
+        <p:nvSpPr>
+          <p:cNvPr id="6" name="TextBox 5"/>
+          <p:cNvSpPr txBox="1"/>
+          <p:nvPr/>
+        </p:nvSpPr>
+        <p:spPr>
+          <a:xfrm>
+            <a:off x="6342611" y="864523"/>
+            <a:ext cx="5436523" cy="2893100"/>
+          </a:xfrm>
+          <a:prstGeom prst="rect">
+            <a:avLst/>
+          </a:prstGeom>
+          <a:noFill/>
+        </p:spPr>
+        <p:txBody>
+          <a:bodyPr wrap="square" rtlCol="0">
+            <a:spAutoFit/>
+          </a:bodyPr>
+          <a:lstStyle/>
+          <a:p>
+            <a:r>
+              <a:rPr lang="en-US" altLang="ko-KR" sz="1400">
+                <a:solidFill>
+                  <a:srgbClr val="FF0000"/>
+                </a:solidFill>
+              </a:rPr>
+              <a:t>char **names = get_labels_custom(name_list, &amp;names_size</a:t>
+            </a:r>
+            <a:r>
+              <a:rPr lang="en-US" altLang="ko-KR" sz="1400" smtClean="0">
+                <a:solidFill>
+                  <a:srgbClr val="FF0000"/>
+                </a:solidFill>
+              </a:rPr>
+              <a:t>);</a:t>
+            </a:r>
+          </a:p>
+          <a:p>
+            <a:endParaRPr lang="en-US" altLang="ko-KR" sz="1400">
+              <a:solidFill>
+                <a:srgbClr val="FF0000"/>
+              </a:solidFill>
+            </a:endParaRPr>
+          </a:p>
+          <a:p>
+            <a:r>
+              <a:rPr lang="en-US" altLang="ko-KR" sz="1400" smtClean="0"/>
+              <a:t>list </a:t>
+            </a:r>
+            <a:r>
+              <a:rPr lang="ko-KR" altLang="en-US" sz="1400" smtClean="0"/>
+              <a:t>구조체 포인터인 </a:t>
+            </a:r>
+            <a:r>
+              <a:rPr lang="en-US" altLang="ko-KR" sz="1400" smtClean="0"/>
+              <a:t>plist</a:t>
+            </a:r>
+            <a:r>
+              <a:rPr lang="ko-KR" altLang="en-US" sz="1400" smtClean="0"/>
+              <a:t>에 </a:t>
+            </a:r>
+            <a:r>
+              <a:rPr lang="en-US" altLang="ko-KR" sz="1400" smtClean="0"/>
+              <a:t>filename(</a:t>
+            </a:r>
+            <a:r>
+              <a:rPr lang="ko-KR" altLang="en-US" sz="1400" smtClean="0"/>
+              <a:t>이전의 </a:t>
+            </a:r>
+            <a:r>
+              <a:rPr lang="en-US" altLang="ko-KR" sz="1400" smtClean="0"/>
+              <a:t>name_list)</a:t>
+            </a:r>
+            <a:r>
+              <a:rPr lang="ko-KR" altLang="en-US" sz="1400" smtClean="0"/>
+              <a:t>을 인자로 하는 </a:t>
+            </a:r>
+            <a:r>
+              <a:rPr lang="en-US" altLang="ko-KR" sz="1400" smtClean="0"/>
+              <a:t>get_paths</a:t>
+            </a:r>
+            <a:r>
+              <a:rPr lang="ko-KR" altLang="en-US" sz="1400" smtClean="0"/>
+              <a:t>의 반환값을 대입</a:t>
+            </a:r>
+            <a:endParaRPr lang="en-US" altLang="ko-KR" sz="1400" smtClean="0"/>
+          </a:p>
+          <a:p>
+            <a:endParaRPr lang="en-US" altLang="ko-KR" sz="1400"/>
+          </a:p>
+          <a:p>
+            <a:r>
+              <a:rPr lang="ko-KR" altLang="en-US" sz="1400" smtClean="0"/>
+              <a:t>만약 파라미터 </a:t>
+            </a:r>
+            <a:r>
+              <a:rPr lang="en-US" altLang="ko-KR" sz="1400" smtClean="0"/>
+              <a:t>size </a:t>
+            </a:r>
+            <a:r>
+              <a:rPr lang="ko-KR" altLang="en-US" sz="1400" smtClean="0"/>
+              <a:t>값이 있다면 </a:t>
+            </a:r>
+            <a:r>
+              <a:rPr lang="en-US" altLang="ko-KR" sz="1400" smtClean="0"/>
+              <a:t>plist</a:t>
+            </a:r>
+            <a:r>
+              <a:rPr lang="ko-KR" altLang="en-US" sz="1400" smtClean="0"/>
+              <a:t>의 </a:t>
+            </a:r>
+            <a:r>
+              <a:rPr lang="en-US" altLang="ko-KR" sz="1400" smtClean="0"/>
+              <a:t>size</a:t>
+            </a:r>
+            <a:r>
+              <a:rPr lang="ko-KR" altLang="en-US" sz="1400" smtClean="0"/>
+              <a:t>값에 파라미터로 받은 </a:t>
+            </a:r>
+            <a:r>
+              <a:rPr lang="en-US" altLang="ko-KR" sz="1400" smtClean="0"/>
+              <a:t>size</a:t>
+            </a:r>
+            <a:r>
+              <a:rPr lang="ko-KR" altLang="en-US" sz="1400" smtClean="0"/>
+              <a:t>값을 넣는다</a:t>
+            </a:r>
+            <a:endParaRPr lang="en-US" altLang="ko-KR" sz="1400" smtClean="0"/>
+          </a:p>
+          <a:p>
+            <a:endParaRPr lang="en-US" altLang="ko-KR" sz="1400" smtClean="0"/>
+          </a:p>
+          <a:p>
+            <a:r>
+              <a:rPr lang="en-US" altLang="ko-KR" sz="1400" smtClean="0"/>
+              <a:t>list </a:t>
+            </a:r>
+            <a:r>
+              <a:rPr lang="ko-KR" altLang="en-US" sz="1400" smtClean="0"/>
+              <a:t>구조체를 </a:t>
+            </a:r>
+            <a:r>
+              <a:rPr lang="en-US" altLang="ko-KR" sz="1400" smtClean="0"/>
+              <a:t>array</a:t>
+            </a:r>
+            <a:r>
+              <a:rPr lang="ko-KR" altLang="en-US" sz="1400" smtClean="0"/>
+              <a:t>로 반환하여 </a:t>
+            </a:r>
+            <a:r>
+              <a:rPr lang="en-US" altLang="ko-KR" sz="1400" smtClean="0"/>
+              <a:t>char </a:t>
+            </a:r>
+            <a:r>
+              <a:rPr lang="ko-KR" altLang="en-US" sz="1400" smtClean="0"/>
+              <a:t>이중 포인터 </a:t>
+            </a:r>
+            <a:r>
+              <a:rPr lang="en-US" altLang="ko-KR" sz="1400" smtClean="0"/>
+              <a:t>labels</a:t>
+            </a:r>
+            <a:r>
+              <a:rPr lang="ko-KR" altLang="en-US" sz="1400" smtClean="0"/>
+              <a:t>에 넣는다</a:t>
+            </a:r>
+            <a:endParaRPr lang="en-US" altLang="ko-KR" sz="1400" smtClean="0"/>
+          </a:p>
+          <a:p>
+            <a:endParaRPr lang="en-US" altLang="ko-KR" sz="1400"/>
+          </a:p>
+          <a:p>
+            <a:r>
+              <a:rPr lang="en-US" altLang="ko-KR" sz="1400" smtClean="0"/>
+              <a:t>plist</a:t>
+            </a:r>
+            <a:r>
+              <a:rPr lang="ko-KR" altLang="en-US" sz="1400" smtClean="0"/>
+              <a:t>를 동적 해제한다</a:t>
+            </a:r>
+            <a:endParaRPr lang="en-US" altLang="ko-KR" sz="1400" smtClean="0"/>
+          </a:p>
+          <a:p>
+            <a:endParaRPr lang="en-US" altLang="ko-KR" sz="1400"/>
+          </a:p>
+          <a:p>
+            <a:r>
+              <a:rPr lang="en-US" altLang="ko-KR" sz="1400" smtClean="0"/>
+              <a:t>labels</a:t>
+            </a:r>
+            <a:r>
+              <a:rPr lang="ko-KR" altLang="en-US" sz="1400" smtClean="0"/>
+              <a:t>를 반환하고 함수를 종료</a:t>
+            </a:r>
+            <a:endParaRPr lang="en-US" altLang="ko-KR" sz="1400" smtClean="0"/>
+          </a:p>
+        </p:txBody>
+      </p:sp>
+      <p:sp>
+        <p:nvSpPr>
+          <p:cNvPr id="7" name="TextBox 6"/>
+          <p:cNvSpPr txBox="1"/>
+          <p:nvPr/>
+        </p:nvSpPr>
+        <p:spPr>
+          <a:xfrm>
+            <a:off x="3441470" y="224444"/>
+            <a:ext cx="5370022" cy="461665"/>
+          </a:xfrm>
+          <a:prstGeom prst="rect">
+            <a:avLst/>
+          </a:prstGeom>
+          <a:noFill/>
+        </p:spPr>
+        <p:txBody>
+          <a:bodyPr wrap="square" rtlCol="0">
+            <a:spAutoFit/>
+          </a:bodyPr>
+          <a:lstStyle/>
+          <a:p>
+            <a:r>
+              <a:rPr lang="en-US" altLang="ko-KR" sz="2400" smtClean="0">
+                <a:latin typeface="HY헤드라인M" panose="02030600000101010101" pitchFamily="18" charset="-127"/>
+                <a:ea typeface="HY헤드라인M" panose="02030600000101010101" pitchFamily="18" charset="-127"/>
+              </a:rPr>
+              <a:t>Yolo – detector.c ( test_detector )</a:t>
+            </a:r>
+            <a:endParaRPr lang="ko-KR" altLang="en-US" sz="2400">
+              <a:latin typeface="HY헤드라인M" panose="02030600000101010101" pitchFamily="18" charset="-127"/>
+              <a:ea typeface="HY헤드라인M" panose="02030600000101010101" pitchFamily="18" charset="-127"/>
+            </a:endParaRPr>
+          </a:p>
+        </p:txBody>
+      </p:sp>
+      <p:pic>
+        <p:nvPicPr>
+          <p:cNvPr id="3" name="그림 2"/>
+          <p:cNvPicPr>
+            <a:picLocks noChangeAspect="1"/>
+          </p:cNvPicPr>
+          <p:nvPr/>
+        </p:nvPicPr>
+        <p:blipFill>
+          <a:blip r:embed="rId2">
+            <a:extLst>
+              <a:ext uri="{28A0092B-C50C-407E-A947-70E740481C1C}">
+                <a14:useLocalDpi xmlns:a14="http://schemas.microsoft.com/office/drawing/2010/main" val="0"/>
+              </a:ext>
+            </a:extLst>
+          </a:blip>
+          <a:stretch>
+            <a:fillRect/>
+          </a:stretch>
+        </p:blipFill>
+        <p:spPr>
+          <a:xfrm>
+            <a:off x="826856" y="1047923"/>
+            <a:ext cx="3705225" cy="1885950"/>
+          </a:xfrm>
+          <a:prstGeom prst="rect">
+            <a:avLst/>
+          </a:prstGeom>
+        </p:spPr>
+      </p:pic>
+      <p:pic>
+        <p:nvPicPr>
+          <p:cNvPr id="10" name="그림 9"/>
+          <p:cNvPicPr>
+            <a:picLocks noChangeAspect="1"/>
+          </p:cNvPicPr>
+          <p:nvPr/>
+        </p:nvPicPr>
+        <p:blipFill>
+          <a:blip r:embed="rId3">
+            <a:extLst>
+              <a:ext uri="{28A0092B-C50C-407E-A947-70E740481C1C}">
+                <a14:useLocalDpi xmlns:a14="http://schemas.microsoft.com/office/drawing/2010/main" val="0"/>
+              </a:ext>
+            </a:extLst>
+          </a:blip>
+          <a:stretch>
+            <a:fillRect/>
+          </a:stretch>
+        </p:blipFill>
+        <p:spPr>
+          <a:xfrm>
+            <a:off x="826855" y="4156634"/>
+            <a:ext cx="3705225" cy="2029819"/>
+          </a:xfrm>
+          <a:prstGeom prst="rect">
+            <a:avLst/>
+          </a:prstGeom>
+        </p:spPr>
+      </p:pic>
+      <p:sp>
+        <p:nvSpPr>
+          <p:cNvPr id="11" name="TextBox 10"/>
+          <p:cNvSpPr txBox="1"/>
+          <p:nvPr/>
+        </p:nvSpPr>
+        <p:spPr>
+          <a:xfrm>
+            <a:off x="6342610" y="3969807"/>
+            <a:ext cx="5436523" cy="2677656"/>
+          </a:xfrm>
+          <a:prstGeom prst="rect">
+            <a:avLst/>
+          </a:prstGeom>
+          <a:noFill/>
+        </p:spPr>
+        <p:txBody>
+          <a:bodyPr wrap="square" rtlCol="0">
+            <a:spAutoFit/>
+          </a:bodyPr>
+          <a:lstStyle/>
+          <a:p>
+            <a:r>
+              <a:rPr lang="en-US" altLang="ko-KR" sz="1400" smtClean="0">
+                <a:solidFill>
+                  <a:srgbClr val="FF0000"/>
+                </a:solidFill>
+              </a:rPr>
+              <a:t>list *plist = get_paths(filename);</a:t>
+            </a:r>
+          </a:p>
+          <a:p>
+            <a:endParaRPr lang="en-US" altLang="ko-KR" sz="1400">
+              <a:solidFill>
+                <a:srgbClr val="FF0000"/>
+              </a:solidFill>
+            </a:endParaRPr>
+          </a:p>
+          <a:p>
+            <a:r>
+              <a:rPr lang="en-US" altLang="ko-KR" sz="1400" smtClean="0"/>
+              <a:t>char </a:t>
+            </a:r>
+            <a:r>
+              <a:rPr lang="ko-KR" altLang="en-US" sz="1400" smtClean="0"/>
+              <a:t>포인터인 </a:t>
+            </a:r>
+            <a:r>
+              <a:rPr lang="en-US" altLang="ko-KR" sz="1400" smtClean="0"/>
+              <a:t>path</a:t>
+            </a:r>
+            <a:r>
+              <a:rPr lang="ko-KR" altLang="en-US" sz="1400" smtClean="0"/>
+              <a:t>를 선언</a:t>
+            </a:r>
+            <a:endParaRPr lang="en-US" altLang="ko-KR" sz="1400" smtClean="0"/>
+          </a:p>
+          <a:p>
+            <a:r>
+              <a:rPr lang="ko-KR" altLang="en-US" sz="1400" smtClean="0"/>
+              <a:t>파라미터로 받은로 받은 </a:t>
+            </a:r>
+            <a:r>
+              <a:rPr lang="en-US" altLang="ko-KR" sz="1400" smtClean="0"/>
+              <a:t>filename</a:t>
+            </a:r>
+            <a:r>
+              <a:rPr lang="ko-KR" altLang="en-US" sz="1400" smtClean="0"/>
+              <a:t>을 읽기모드로 읽는다</a:t>
+            </a:r>
+            <a:endParaRPr lang="en-US" altLang="ko-KR" sz="1400"/>
+          </a:p>
+          <a:p>
+            <a:r>
+              <a:rPr lang="en-US" altLang="ko-KR" sz="1400" smtClean="0"/>
+              <a:t>file error</a:t>
+            </a:r>
+            <a:r>
+              <a:rPr lang="ko-KR" altLang="en-US" sz="1400" smtClean="0"/>
+              <a:t>를 검사</a:t>
+            </a:r>
+            <a:endParaRPr lang="en-US" altLang="ko-KR" sz="1400" smtClean="0"/>
+          </a:p>
+          <a:p>
+            <a:r>
+              <a:rPr lang="en-US" altLang="ko-KR" sz="1400" smtClean="0"/>
+              <a:t>list </a:t>
+            </a:r>
+            <a:r>
+              <a:rPr lang="ko-KR" altLang="en-US" sz="1400" smtClean="0"/>
+              <a:t>구조체 포인터 </a:t>
+            </a:r>
+            <a:r>
+              <a:rPr lang="en-US" altLang="ko-KR" sz="1400" smtClean="0"/>
+              <a:t>lines</a:t>
+            </a:r>
+            <a:r>
+              <a:rPr lang="ko-KR" altLang="en-US" sz="1400" smtClean="0"/>
+              <a:t>를 선언하고 </a:t>
+            </a:r>
+            <a:r>
+              <a:rPr lang="en-US" altLang="ko-KR" sz="1400" smtClean="0"/>
+              <a:t>list</a:t>
+            </a:r>
+            <a:r>
+              <a:rPr lang="ko-KR" altLang="en-US" sz="1400" smtClean="0"/>
+              <a:t>구조체를 만든다</a:t>
+            </a:r>
+            <a:endParaRPr lang="en-US" altLang="ko-KR" sz="1400" smtClean="0"/>
+          </a:p>
+          <a:p>
+            <a:endParaRPr lang="en-US" altLang="ko-KR" sz="1400"/>
+          </a:p>
+          <a:p>
+            <a:r>
+              <a:rPr lang="ko-KR" altLang="en-US" sz="1400" smtClean="0"/>
+              <a:t>순회를 돈다</a:t>
+            </a:r>
+            <a:r>
+              <a:rPr lang="en-US" altLang="ko-KR" sz="1400" smtClean="0"/>
+              <a:t>.(while)</a:t>
+            </a:r>
+          </a:p>
+          <a:p>
+            <a:r>
+              <a:rPr lang="en-US" altLang="ko-KR" sz="1400"/>
+              <a:t> </a:t>
+            </a:r>
+            <a:r>
+              <a:rPr lang="en-US" altLang="ko-KR" sz="1400" smtClean="0"/>
+              <a:t> - </a:t>
+            </a:r>
+            <a:r>
+              <a:rPr lang="ko-KR" altLang="en-US" sz="1400" smtClean="0"/>
+              <a:t>읽은 라인을 </a:t>
+            </a:r>
+            <a:r>
+              <a:rPr lang="en-US" altLang="ko-KR" sz="1400" smtClean="0"/>
+              <a:t>list</a:t>
+            </a:r>
+            <a:r>
+              <a:rPr lang="ko-KR" altLang="en-US" sz="1400" smtClean="0"/>
+              <a:t>에 넣는다</a:t>
+            </a:r>
+            <a:endParaRPr lang="en-US" altLang="ko-KR" sz="1400" smtClean="0"/>
+          </a:p>
+          <a:p>
+            <a:endParaRPr lang="en-US" altLang="ko-KR" sz="1400"/>
+          </a:p>
+          <a:p>
+            <a:r>
+              <a:rPr lang="en-US" altLang="ko-KR" sz="1400" smtClean="0"/>
+              <a:t>file</a:t>
+            </a:r>
+            <a:r>
+              <a:rPr lang="ko-KR" altLang="en-US" sz="1400" smtClean="0"/>
+              <a:t>을 닫는다</a:t>
+            </a:r>
+            <a:endParaRPr lang="en-US" altLang="ko-KR" sz="1400"/>
+          </a:p>
+          <a:p>
+            <a:r>
+              <a:rPr lang="en-US" altLang="ko-KR" sz="1400" smtClean="0"/>
+              <a:t>list </a:t>
+            </a:r>
+            <a:r>
+              <a:rPr lang="ko-KR" altLang="en-US" sz="1400" smtClean="0"/>
+              <a:t>구조체 </a:t>
+            </a:r>
+            <a:r>
+              <a:rPr lang="en-US" altLang="ko-KR" sz="1400" smtClean="0"/>
+              <a:t>lines</a:t>
+            </a:r>
+            <a:r>
+              <a:rPr lang="ko-KR" altLang="en-US" sz="1400" smtClean="0"/>
+              <a:t>를 반환하고 함수 종료</a:t>
+            </a:r>
+            <a:endParaRPr lang="en-US" altLang="ko-KR" sz="1400" smtClean="0"/>
+          </a:p>
+        </p:txBody>
+      </p:sp>
+    </p:spTree>
+    <p:extLst>
+      <p:ext uri="{BB962C8B-B14F-4D97-AF65-F5344CB8AC3E}">
+        <p14:creationId xmlns:p14="http://schemas.microsoft.com/office/powerpoint/2010/main" val="1035070907"/>
+      </p:ext>
+    </p:extLst>
+  </p:cSld>
+  <p:clrMapOvr>
+    <a:masterClrMapping/>
+  </p:clrMapOvr>
+  <p:timing>
+    <p:tnLst>
+      <p:par>
+        <p:cTn id="1" dur="indefinite" restart="never" nodeType="tmRoot"/>
+      </p:par>
+    </p:tnLst>
+  </p:timing>
 </p:sld>
 </file>
 
